--- a/DatenbankAG.pptx
+++ b/DatenbankAG.pptx
@@ -7,11 +7,26 @@
   <p:sldIdLst>
     <p:sldId id="256" r:id="rId2"/>
     <p:sldId id="257" r:id="rId3"/>
-    <p:sldId id="258" r:id="rId4"/>
-    <p:sldId id="260" r:id="rId5"/>
-    <p:sldId id="261" r:id="rId6"/>
-    <p:sldId id="262" r:id="rId7"/>
-    <p:sldId id="263" r:id="rId8"/>
+    <p:sldId id="266" r:id="rId4"/>
+    <p:sldId id="258" r:id="rId5"/>
+    <p:sldId id="264" r:id="rId6"/>
+    <p:sldId id="275" r:id="rId7"/>
+    <p:sldId id="276" r:id="rId8"/>
+    <p:sldId id="277" r:id="rId9"/>
+    <p:sldId id="278" r:id="rId10"/>
+    <p:sldId id="279" r:id="rId11"/>
+    <p:sldId id="260" r:id="rId12"/>
+    <p:sldId id="261" r:id="rId13"/>
+    <p:sldId id="262" r:id="rId14"/>
+    <p:sldId id="263" r:id="rId15"/>
+    <p:sldId id="265" r:id="rId16"/>
+    <p:sldId id="269" r:id="rId17"/>
+    <p:sldId id="267" r:id="rId18"/>
+    <p:sldId id="270" r:id="rId19"/>
+    <p:sldId id="271" r:id="rId20"/>
+    <p:sldId id="272" r:id="rId21"/>
+    <p:sldId id="273" r:id="rId22"/>
+    <p:sldId id="274" r:id="rId23"/>
   </p:sldIdLst>
   <p:sldSz cx="12192000" cy="6858000"/>
   <p:notesSz cx="6858000" cy="9144000"/>
@@ -110,6 +125,11 @@
       </a:defRPr>
     </a:lvl9pPr>
   </p:defaultTextStyle>
+  <p:extLst>
+    <p:ext uri="{EFAFB233-063F-42B5-8137-9DF3F51BA10A}">
+      <p15:sldGuideLst xmlns:p15="http://schemas.microsoft.com/office/powerpoint/2012/main"/>
+    </p:ext>
+  </p:extLst>
 </p:presentation>
 </file>
 
@@ -13332,7 +13352,7 @@
 </p:sld>
 </file>
 
-<file path=ppt/slides/slide2.xml><?xml version="1.0" encoding="utf-8"?>
+<file path=ppt/slides/slide10.xml><?xml version="1.0" encoding="utf-8"?>
 <p:sld xmlns:a="http://schemas.openxmlformats.org/drawingml/2006/main" xmlns:r="http://schemas.openxmlformats.org/officeDocument/2006/relationships" xmlns:p="http://schemas.openxmlformats.org/presentationml/2006/main">
   <p:cSld>
     <p:spTree>
@@ -13354,7 +13374,7 @@
           <p:cNvPr id="2" name="Titel 1">
             <a:extLst>
               <a:ext uri="{FF2B5EF4-FFF2-40B4-BE49-F238E27FC236}">
-                <a16:creationId xmlns:a16="http://schemas.microsoft.com/office/drawing/2014/main" id="{4B0301EE-D4CC-4B14-9558-B57D2577BCF8}"/>
+                <a16:creationId xmlns:a16="http://schemas.microsoft.com/office/drawing/2014/main" id="{F39EB84F-150C-4ADA-887B-76A9D00808C3}"/>
               </a:ext>
             </a:extLst>
           </p:cNvPr>
@@ -13371,49 +13391,74 @@
           <a:lstStyle/>
           <a:p>
             <a:r>
-              <a:rPr lang="de-DE" b="1" dirty="0"/>
-              <a:t>Use-Case-Diagramm</a:t>
+              <a:rPr lang="de-DE" dirty="0"/>
+              <a:t>Phase 5 – Dateiformate</a:t>
             </a:r>
             <a:br>
-              <a:rPr lang="de-DE" b="1" dirty="0"/>
+              <a:rPr lang="de-DE"/>
             </a:br>
+            <a:r>
+              <a:rPr lang="de-DE"/>
+              <a:t>IPT</a:t>
+            </a:r>
             <a:endParaRPr lang="de-DE" dirty="0"/>
           </a:p>
         </p:txBody>
       </p:sp>
-      <p:pic>
-        <p:nvPicPr>
-          <p:cNvPr id="5" name="Inhaltsplatzhalter 4">
+      <p:sp>
+        <p:nvSpPr>
+          <p:cNvPr id="3" name="Inhaltsplatzhalter 2">
             <a:extLst>
               <a:ext uri="{FF2B5EF4-FFF2-40B4-BE49-F238E27FC236}">
-                <a16:creationId xmlns:a16="http://schemas.microsoft.com/office/drawing/2014/main" id="{D41B7731-4CEF-4A07-8DB3-DBF0C36F4874}"/>
+                <a16:creationId xmlns:a16="http://schemas.microsoft.com/office/drawing/2014/main" id="{FE3675E8-FFE4-4903-B7BA-3ACED9AAC14F}"/>
               </a:ext>
             </a:extLst>
           </p:cNvPr>
-          <p:cNvPicPr>
-            <a:picLocks noGrp="1" noChangeAspect="1"/>
-          </p:cNvPicPr>
+          <p:cNvSpPr>
+            <a:spLocks noGrp="1"/>
+          </p:cNvSpPr>
           <p:nvPr>
             <p:ph idx="1"/>
           </p:nvPr>
-        </p:nvPicPr>
-        <p:blipFill>
-          <a:blip r:embed="rId2"/>
-          <a:stretch>
-            <a:fillRect/>
-          </a:stretch>
-        </p:blipFill>
-        <p:spPr>
-          <a:xfrm>
-            <a:off x="2311706" y="2273314"/>
-            <a:ext cx="6211509" cy="4584686"/>
-          </a:xfrm>
-        </p:spPr>
-      </p:pic>
+        </p:nvSpPr>
+        <p:spPr/>
+        <p:txBody>
+          <a:bodyPr/>
+          <a:lstStyle/>
+          <a:p>
+            <a:pPr lvl="0"/>
+            <a:r>
+              <a:rPr lang="de-DE" dirty="0"/>
+              <a:t>Programmeigenes Format von Autodesk Inventor</a:t>
+            </a:r>
+          </a:p>
+          <a:p>
+            <a:pPr lvl="0"/>
+            <a:r>
+              <a:rPr lang="de-DE" dirty="0"/>
+              <a:t>IPT speichert die Teile</a:t>
+            </a:r>
+          </a:p>
+          <a:p>
+            <a:pPr lvl="0"/>
+            <a:r>
+              <a:rPr lang="de-DE" dirty="0"/>
+              <a:t>optional IAM-Format verfügbar, welches Baugruppen speichert</a:t>
+            </a:r>
+          </a:p>
+          <a:p>
+            <a:pPr lvl="0"/>
+            <a:r>
+              <a:rPr lang="de-DE" dirty="0"/>
+              <a:t>Kann in Autodesk Inventor und in 3D Studio Max verwendet werden</a:t>
+            </a:r>
+          </a:p>
+        </p:txBody>
+      </p:sp>
     </p:spTree>
     <p:extLst>
       <p:ext uri="{BB962C8B-B14F-4D97-AF65-F5344CB8AC3E}">
-        <p14:creationId xmlns:p14="http://schemas.microsoft.com/office/powerpoint/2010/main" val="352444962"/>
+        <p14:creationId xmlns:p14="http://schemas.microsoft.com/office/powerpoint/2010/main" val="3454466159"/>
       </p:ext>
     </p:extLst>
   </p:cSld>
@@ -13423,228 +13468,7 @@
 </p:sld>
 </file>
 
-<file path=ppt/slides/slide3.xml><?xml version="1.0" encoding="utf-8"?>
-<p:sld xmlns:a="http://schemas.openxmlformats.org/drawingml/2006/main" xmlns:r="http://schemas.openxmlformats.org/officeDocument/2006/relationships" xmlns:p="http://schemas.openxmlformats.org/presentationml/2006/main">
-  <p:cSld>
-    <p:spTree>
-      <p:nvGrpSpPr>
-        <p:cNvPr id="1" name=""/>
-        <p:cNvGrpSpPr/>
-        <p:nvPr/>
-      </p:nvGrpSpPr>
-      <p:grpSpPr>
-        <a:xfrm>
-          <a:off x="0" y="0"/>
-          <a:ext cx="0" cy="0"/>
-          <a:chOff x="0" y="0"/>
-          <a:chExt cx="0" cy="0"/>
-        </a:xfrm>
-      </p:grpSpPr>
-      <p:sp>
-        <p:nvSpPr>
-          <p:cNvPr id="2" name="Titel 1">
-            <a:extLst>
-              <a:ext uri="{FF2B5EF4-FFF2-40B4-BE49-F238E27FC236}">
-                <a16:creationId xmlns:a16="http://schemas.microsoft.com/office/drawing/2014/main" id="{5A11B460-03CC-468A-A6B4-CA1922646124}"/>
-              </a:ext>
-            </a:extLst>
-          </p:cNvPr>
-          <p:cNvSpPr>
-            <a:spLocks noGrp="1"/>
-          </p:cNvSpPr>
-          <p:nvPr>
-            <p:ph type="title"/>
-          </p:nvPr>
-        </p:nvSpPr>
-        <p:spPr/>
-        <p:txBody>
-          <a:bodyPr/>
-          <a:lstStyle/>
-          <a:p>
-            <a:r>
-              <a:rPr lang="de-DE" b="1" dirty="0"/>
-              <a:t>Sequenzdiagramm</a:t>
-            </a:r>
-            <a:br>
-              <a:rPr lang="de-DE" b="1" dirty="0"/>
-            </a:br>
-            <a:endParaRPr lang="de-DE" dirty="0"/>
-          </a:p>
-        </p:txBody>
-      </p:sp>
-      <p:pic>
-        <p:nvPicPr>
-          <p:cNvPr id="5" name="Inhaltsplatzhalter 4">
-            <a:extLst>
-              <a:ext uri="{FF2B5EF4-FFF2-40B4-BE49-F238E27FC236}">
-                <a16:creationId xmlns:a16="http://schemas.microsoft.com/office/drawing/2014/main" id="{9FC68AE2-0454-462D-8362-3D33B1BC2D49}"/>
-              </a:ext>
-            </a:extLst>
-          </p:cNvPr>
-          <p:cNvPicPr>
-            <a:picLocks noGrp="1" noChangeAspect="1"/>
-          </p:cNvPicPr>
-          <p:nvPr>
-            <p:ph idx="1"/>
-          </p:nvPr>
-        </p:nvPicPr>
-        <p:blipFill>
-          <a:blip r:embed="rId2"/>
-          <a:stretch>
-            <a:fillRect/>
-          </a:stretch>
-        </p:blipFill>
-        <p:spPr>
-          <a:xfrm>
-            <a:off x="836173" y="2293108"/>
-            <a:ext cx="7191793" cy="4421184"/>
-          </a:xfrm>
-        </p:spPr>
-      </p:pic>
-      <p:sp>
-        <p:nvSpPr>
-          <p:cNvPr id="6" name="Textfeld 5">
-            <a:extLst>
-              <a:ext uri="{FF2B5EF4-FFF2-40B4-BE49-F238E27FC236}">
-                <a16:creationId xmlns:a16="http://schemas.microsoft.com/office/drawing/2014/main" id="{2807DD37-E3EC-4E7F-9237-DF11823A5B4E}"/>
-              </a:ext>
-            </a:extLst>
-          </p:cNvPr>
-          <p:cNvSpPr txBox="1"/>
-          <p:nvPr/>
-        </p:nvSpPr>
-        <p:spPr>
-          <a:xfrm>
-            <a:off x="8027966" y="2879931"/>
-            <a:ext cx="5664685" cy="3600986"/>
-          </a:xfrm>
-          <a:prstGeom prst="rect">
-            <a:avLst/>
-          </a:prstGeom>
-          <a:noFill/>
-        </p:spPr>
-        <p:txBody>
-          <a:bodyPr wrap="square" rtlCol="0">
-            <a:spAutoFit/>
-          </a:bodyPr>
-          <a:lstStyle/>
-          <a:p>
-            <a:r>
-              <a:rPr lang="de-DE" sz="1400" b="1" dirty="0"/>
-              <a:t>Sequenzdiagramm</a:t>
-            </a:r>
-          </a:p>
-          <a:p>
-            <a:r>
-              <a:rPr lang="de-DE" sz="1400" dirty="0"/>
-              <a:t> </a:t>
-            </a:r>
-          </a:p>
-          <a:p>
-            <a:r>
-              <a:rPr lang="de-DE" sz="1400" dirty="0"/>
-              <a:t>Vorteil:</a:t>
-            </a:r>
-          </a:p>
-          <a:p>
-            <a:r>
-              <a:rPr lang="de-DE" sz="1400" dirty="0"/>
-              <a:t>Das Sequenzdiagramm ist übersichtlich und </a:t>
-            </a:r>
-            <a:br>
-              <a:rPr lang="de-DE" sz="1400" dirty="0"/>
-            </a:br>
-            <a:r>
-              <a:rPr lang="de-DE" sz="1400" dirty="0"/>
-              <a:t>zeitlich eingeordnet</a:t>
-            </a:r>
-            <a:br>
-              <a:rPr lang="de-DE" sz="1400" dirty="0"/>
-            </a:br>
-            <a:r>
-              <a:rPr lang="de-DE" sz="1400" dirty="0"/>
-              <a:t>viele einzelne Prozesse zu erkennen</a:t>
-            </a:r>
-            <a:br>
-              <a:rPr lang="de-DE" sz="1400" dirty="0"/>
-            </a:br>
-            <a:r>
-              <a:rPr lang="de-DE" sz="1400" dirty="0"/>
-              <a:t>Jeder Aktor kommuniziert separat mit dem anderen.</a:t>
-            </a:r>
-            <a:br>
-              <a:rPr lang="de-DE" sz="1400" dirty="0"/>
-            </a:br>
-            <a:r>
-              <a:rPr lang="de-DE" sz="1400" dirty="0"/>
-              <a:t>Die Lebensspanne der einzelnen Aktoren ist </a:t>
-            </a:r>
-            <a:br>
-              <a:rPr lang="de-DE" sz="1400" dirty="0"/>
-            </a:br>
-            <a:r>
-              <a:rPr lang="de-DE" sz="1400" dirty="0"/>
-              <a:t>dargestellt.</a:t>
-            </a:r>
-            <a:br>
-              <a:rPr lang="de-DE" sz="1400" dirty="0"/>
-            </a:br>
-            <a:r>
-              <a:rPr lang="de-DE" sz="1400" dirty="0"/>
-              <a:t>Aktionen werden genau beschrieben.</a:t>
-            </a:r>
-          </a:p>
-          <a:p>
-            <a:r>
-              <a:rPr lang="de-DE" sz="1400" dirty="0"/>
-              <a:t> </a:t>
-            </a:r>
-          </a:p>
-          <a:p>
-            <a:r>
-              <a:rPr lang="de-DE" sz="1400" dirty="0"/>
-              <a:t>Nachteil:</a:t>
-            </a:r>
-          </a:p>
-          <a:p>
-            <a:r>
-              <a:rPr lang="de-DE" sz="1400" dirty="0"/>
-              <a:t>Nimmt viel Platz ein</a:t>
-            </a:r>
-            <a:br>
-              <a:rPr lang="de-DE" sz="1400" dirty="0"/>
-            </a:br>
-            <a:r>
-              <a:rPr lang="de-DE" sz="1400" dirty="0"/>
-              <a:t>sehr detailliert</a:t>
-            </a:r>
-            <a:br>
-              <a:rPr lang="de-DE" sz="1400" dirty="0"/>
-            </a:br>
-            <a:r>
-              <a:rPr lang="de-DE" sz="1400" dirty="0"/>
-              <a:t>schwierig zu erstellen</a:t>
-            </a:r>
-          </a:p>
-          <a:p>
-            <a:endParaRPr lang="de-DE" dirty="0"/>
-          </a:p>
-        </p:txBody>
-      </p:sp>
-    </p:spTree>
-    <p:extLst>
-      <p:ext uri="{BB962C8B-B14F-4D97-AF65-F5344CB8AC3E}">
-        <p14:creationId xmlns:p14="http://schemas.microsoft.com/office/powerpoint/2010/main" val="2713579915"/>
-      </p:ext>
-    </p:extLst>
-  </p:cSld>
-  <p:clrMapOvr>
-    <a:masterClrMapping/>
-  </p:clrMapOvr>
-</p:sld>
-</file>
-
-<file path=ppt/slides/slide4.xml><?xml version="1.0" encoding="utf-8"?>
+<file path=ppt/slides/slide11.xml><?xml version="1.0" encoding="utf-8"?>
 <p:sld xmlns:a="http://schemas.openxmlformats.org/drawingml/2006/main" xmlns:r="http://schemas.openxmlformats.org/officeDocument/2006/relationships" xmlns:p="http://schemas.openxmlformats.org/presentationml/2006/main">
   <p:cSld>
     <p:spTree>
@@ -13684,7 +13508,7 @@
           <a:p>
             <a:r>
               <a:rPr lang="de-DE" dirty="0"/>
-              <a:t>Datenbankübersicht</a:t>
+              <a:t>Phase 6 - Datenbankübersicht</a:t>
             </a:r>
           </a:p>
         </p:txBody>
@@ -15187,7 +15011,7 @@
 </p:sld>
 </file>
 
-<file path=ppt/slides/slide5.xml><?xml version="1.0" encoding="utf-8"?>
+<file path=ppt/slides/slide12.xml><?xml version="1.0" encoding="utf-8"?>
 <p:sld xmlns:a="http://schemas.openxmlformats.org/drawingml/2006/main" xmlns:r="http://schemas.openxmlformats.org/officeDocument/2006/relationships" xmlns:p="http://schemas.openxmlformats.org/presentationml/2006/main">
   <p:cSld>
     <p:spTree>
@@ -15227,7 +15051,7 @@
           <a:p>
             <a:r>
               <a:rPr lang="de-DE" b="1" dirty="0"/>
-              <a:t>Datenschutz und Datensicherheit</a:t>
+              <a:t>Phase 7 - Datenschutz und Datensicherheit</a:t>
             </a:r>
             <a:br>
               <a:rPr lang="de-DE" dirty="0"/>
@@ -15343,7 +15167,7 @@
 </p:sld>
 </file>
 
-<file path=ppt/slides/slide6.xml><?xml version="1.0" encoding="utf-8"?>
+<file path=ppt/slides/slide13.xml><?xml version="1.0" encoding="utf-8"?>
 <p:sld xmlns:a="http://schemas.openxmlformats.org/drawingml/2006/main" xmlns:r="http://schemas.openxmlformats.org/officeDocument/2006/relationships" xmlns:p="http://schemas.openxmlformats.org/presentationml/2006/main">
   <p:cSld>
     <p:spTree>
@@ -15381,6 +15205,10 @@
           <a:bodyPr/>
           <a:lstStyle/>
           <a:p>
+            <a:r>
+              <a:rPr lang="de-DE" b="1" dirty="0"/>
+              <a:t>Phase 7 - </a:t>
+            </a:r>
             <a:r>
               <a:rPr lang="de-DE" dirty="0"/>
               <a:t>Sicherheitskonzept</a:t>
@@ -15728,7 +15556,7 @@
 </p:sld>
 </file>
 
-<file path=ppt/slides/slide7.xml><?xml version="1.0" encoding="utf-8"?>
+<file path=ppt/slides/slide14.xml><?xml version="1.0" encoding="utf-8"?>
 <p:sld xmlns:a="http://schemas.openxmlformats.org/drawingml/2006/main" xmlns:r="http://schemas.openxmlformats.org/officeDocument/2006/relationships" xmlns:p="http://schemas.openxmlformats.org/presentationml/2006/main">
   <p:cSld>
     <p:spTree>
@@ -15767,6 +15595,10 @@
           <a:lstStyle/>
           <a:p>
             <a:r>
+              <a:rPr lang="de-DE" b="1" dirty="0"/>
+              <a:t>Phase 7 - </a:t>
+            </a:r>
+            <a:r>
               <a:rPr lang="de-DE" dirty="0"/>
               <a:t>Sicherheitskonzept</a:t>
             </a:r>
@@ -15906,6 +15738,1992 @@
     <p:extLst>
       <p:ext uri="{BB962C8B-B14F-4D97-AF65-F5344CB8AC3E}">
         <p14:creationId xmlns:p14="http://schemas.microsoft.com/office/powerpoint/2010/main" val="1164069143"/>
+      </p:ext>
+    </p:extLst>
+  </p:cSld>
+  <p:clrMapOvr>
+    <a:masterClrMapping/>
+  </p:clrMapOvr>
+</p:sld>
+</file>
+
+<file path=ppt/slides/slide15.xml><?xml version="1.0" encoding="utf-8"?>
+<p:sld xmlns:a="http://schemas.openxmlformats.org/drawingml/2006/main" xmlns:r="http://schemas.openxmlformats.org/officeDocument/2006/relationships" xmlns:p="http://schemas.openxmlformats.org/presentationml/2006/main">
+  <p:cSld>
+    <p:spTree>
+      <p:nvGrpSpPr>
+        <p:cNvPr id="1" name=""/>
+        <p:cNvGrpSpPr/>
+        <p:nvPr/>
+      </p:nvGrpSpPr>
+      <p:grpSpPr>
+        <a:xfrm>
+          <a:off x="0" y="0"/>
+          <a:ext cx="0" cy="0"/>
+          <a:chOff x="0" y="0"/>
+          <a:chExt cx="0" cy="0"/>
+        </a:xfrm>
+      </p:grpSpPr>
+      <p:sp>
+        <p:nvSpPr>
+          <p:cNvPr id="2" name="Titel 1">
+            <a:extLst>
+              <a:ext uri="{FF2B5EF4-FFF2-40B4-BE49-F238E27FC236}">
+                <a16:creationId xmlns:a16="http://schemas.microsoft.com/office/drawing/2014/main" id="{BE25F42C-8438-4452-884B-ACEFA4B6E6B2}"/>
+              </a:ext>
+            </a:extLst>
+          </p:cNvPr>
+          <p:cNvSpPr>
+            <a:spLocks noGrp="1"/>
+          </p:cNvSpPr>
+          <p:nvPr>
+            <p:ph type="title"/>
+          </p:nvPr>
+        </p:nvSpPr>
+        <p:spPr/>
+        <p:txBody>
+          <a:bodyPr/>
+          <a:lstStyle/>
+          <a:p>
+            <a:r>
+              <a:rPr lang="de-DE" dirty="0"/>
+              <a:t>Phase 8 – ER Modell</a:t>
+            </a:r>
+          </a:p>
+        </p:txBody>
+      </p:sp>
+      <p:sp>
+        <p:nvSpPr>
+          <p:cNvPr id="4" name="Textplatzhalter 3">
+            <a:extLst>
+              <a:ext uri="{FF2B5EF4-FFF2-40B4-BE49-F238E27FC236}">
+                <a16:creationId xmlns:a16="http://schemas.microsoft.com/office/drawing/2014/main" id="{9DD3ADB7-4BAE-4CEB-8DD3-4DA270293A00}"/>
+              </a:ext>
+            </a:extLst>
+          </p:cNvPr>
+          <p:cNvSpPr>
+            <a:spLocks noGrp="1"/>
+          </p:cNvSpPr>
+          <p:nvPr>
+            <p:ph type="body" sz="half" idx="2"/>
+          </p:nvPr>
+        </p:nvSpPr>
+        <p:spPr/>
+        <p:txBody>
+          <a:bodyPr>
+            <a:normAutofit lnSpcReduction="10000"/>
+          </a:bodyPr>
+          <a:lstStyle/>
+          <a:p>
+            <a:pPr marL="285750" indent="-285750">
+              <a:buFontTx/>
+              <a:buChar char="-"/>
+            </a:pPr>
+            <a:r>
+              <a:rPr lang="de-DE" dirty="0"/>
+              <a:t>Aus Phase 5 erstellte Datenquellen</a:t>
+            </a:r>
+          </a:p>
+          <a:p>
+            <a:pPr marL="285750" indent="-285750">
+              <a:buFontTx/>
+              <a:buChar char="-"/>
+            </a:pPr>
+            <a:r>
+              <a:rPr lang="de-DE" dirty="0"/>
+              <a:t>ERM besitzt alle Datenquellen, Primärschlüssel, Fremdschlüssel und Datentypen</a:t>
+            </a:r>
+          </a:p>
+          <a:p>
+            <a:pPr marL="285750" indent="-285750">
+              <a:buFontTx/>
+              <a:buChar char="-"/>
+            </a:pPr>
+            <a:r>
+              <a:rPr lang="de-DE" dirty="0"/>
+              <a:t>Zwischen den einzelnen Tabellen sind Beziehungen</a:t>
+            </a:r>
+          </a:p>
+          <a:p>
+            <a:pPr marL="285750" indent="-285750">
+              <a:buFontTx/>
+              <a:buChar char="-"/>
+            </a:pPr>
+            <a:r>
+              <a:rPr lang="de-DE" dirty="0"/>
+              <a:t>Es wurden zudem Hilfstabellen angelegt um Redundanzen zu vermeiden</a:t>
+            </a:r>
+          </a:p>
+          <a:p>
+            <a:endParaRPr lang="de-DE" dirty="0"/>
+          </a:p>
+        </p:txBody>
+      </p:sp>
+      <p:pic>
+        <p:nvPicPr>
+          <p:cNvPr id="7" name="Bildplatzhalter 9">
+            <a:extLst>
+              <a:ext uri="{FF2B5EF4-FFF2-40B4-BE49-F238E27FC236}">
+                <a16:creationId xmlns:a16="http://schemas.microsoft.com/office/drawing/2014/main" id="{DFC35860-CA67-4AC4-B418-A445B049FEBC}"/>
+              </a:ext>
+            </a:extLst>
+          </p:cNvPr>
+          <p:cNvPicPr>
+            <a:picLocks noGrp="1" noChangeAspect="1"/>
+          </p:cNvPicPr>
+          <p:nvPr>
+            <p:ph idx="1"/>
+          </p:nvPr>
+        </p:nvPicPr>
+        <p:blipFill>
+          <a:blip r:embed="rId2">
+            <a:extLst>
+              <a:ext uri="{28A0092B-C50C-407E-A947-70E740481C1C}">
+                <a14:useLocalDpi xmlns:a14="http://schemas.microsoft.com/office/drawing/2010/main" val="0"/>
+              </a:ext>
+            </a:extLst>
+          </a:blip>
+          <a:srcRect l="3962" r="3962"/>
+          <a:stretch>
+            <a:fillRect/>
+          </a:stretch>
+        </p:blipFill>
+        <p:spPr>
+          <a:xfrm>
+            <a:off x="6368716" y="865610"/>
+            <a:ext cx="3607924" cy="5154190"/>
+          </a:xfrm>
+        </p:spPr>
+      </p:pic>
+    </p:spTree>
+    <p:extLst>
+      <p:ext uri="{BB962C8B-B14F-4D97-AF65-F5344CB8AC3E}">
+        <p14:creationId xmlns:p14="http://schemas.microsoft.com/office/powerpoint/2010/main" val="2868184064"/>
+      </p:ext>
+    </p:extLst>
+  </p:cSld>
+  <p:clrMapOvr>
+    <a:masterClrMapping/>
+  </p:clrMapOvr>
+</p:sld>
+</file>
+
+<file path=ppt/slides/slide16.xml><?xml version="1.0" encoding="utf-8"?>
+<p:sld xmlns:a="http://schemas.openxmlformats.org/drawingml/2006/main" xmlns:r="http://schemas.openxmlformats.org/officeDocument/2006/relationships" xmlns:p="http://schemas.openxmlformats.org/presentationml/2006/main">
+  <p:cSld>
+    <p:spTree>
+      <p:nvGrpSpPr>
+        <p:cNvPr id="1" name=""/>
+        <p:cNvGrpSpPr/>
+        <p:nvPr/>
+      </p:nvGrpSpPr>
+      <p:grpSpPr>
+        <a:xfrm>
+          <a:off x="0" y="0"/>
+          <a:ext cx="0" cy="0"/>
+          <a:chOff x="0" y="0"/>
+          <a:chExt cx="0" cy="0"/>
+        </a:xfrm>
+      </p:grpSpPr>
+      <p:sp>
+        <p:nvSpPr>
+          <p:cNvPr id="2" name="Titel 1">
+            <a:extLst>
+              <a:ext uri="{FF2B5EF4-FFF2-40B4-BE49-F238E27FC236}">
+                <a16:creationId xmlns:a16="http://schemas.microsoft.com/office/drawing/2014/main" id="{1C8F280A-727D-49C7-847A-BA55DD029F5D}"/>
+              </a:ext>
+            </a:extLst>
+          </p:cNvPr>
+          <p:cNvSpPr>
+            <a:spLocks noGrp="1"/>
+          </p:cNvSpPr>
+          <p:nvPr>
+            <p:ph type="title"/>
+          </p:nvPr>
+        </p:nvSpPr>
+        <p:spPr/>
+        <p:txBody>
+          <a:bodyPr>
+            <a:noAutofit/>
+          </a:bodyPr>
+          <a:lstStyle/>
+          <a:p>
+            <a:r>
+              <a:rPr lang="de-DE" dirty="0"/>
+              <a:t>Neue Datenbankrolle erstellen und konfigurieren </a:t>
+            </a:r>
+          </a:p>
+        </p:txBody>
+      </p:sp>
+      <p:pic>
+        <p:nvPicPr>
+          <p:cNvPr id="7" name="Inhaltsplatzhalter 6">
+            <a:extLst>
+              <a:ext uri="{FF2B5EF4-FFF2-40B4-BE49-F238E27FC236}">
+                <a16:creationId xmlns:a16="http://schemas.microsoft.com/office/drawing/2014/main" id="{534CE714-0CF0-404D-9CEB-9760D7E87B08}"/>
+              </a:ext>
+            </a:extLst>
+          </p:cNvPr>
+          <p:cNvPicPr>
+            <a:picLocks noGrp="1"/>
+          </p:cNvPicPr>
+          <p:nvPr>
+            <p:ph idx="1"/>
+          </p:nvPr>
+        </p:nvPicPr>
+        <p:blipFill>
+          <a:blip r:embed="rId2">
+            <a:extLst>
+              <a:ext uri="{28A0092B-C50C-407E-A947-70E740481C1C}">
+                <a14:useLocalDpi xmlns:a14="http://schemas.microsoft.com/office/drawing/2010/main" val="0"/>
+              </a:ext>
+            </a:extLst>
+          </a:blip>
+          <a:stretch>
+            <a:fillRect/>
+          </a:stretch>
+        </p:blipFill>
+        <p:spPr>
+          <a:xfrm>
+            <a:off x="2531445" y="2603500"/>
+            <a:ext cx="7013608" cy="3861468"/>
+          </a:xfrm>
+          <a:prstGeom prst="rect">
+            <a:avLst/>
+          </a:prstGeom>
+        </p:spPr>
+      </p:pic>
+    </p:spTree>
+    <p:extLst>
+      <p:ext uri="{BB962C8B-B14F-4D97-AF65-F5344CB8AC3E}">
+        <p14:creationId xmlns:p14="http://schemas.microsoft.com/office/powerpoint/2010/main" val="124567031"/>
+      </p:ext>
+    </p:extLst>
+  </p:cSld>
+  <p:clrMapOvr>
+    <a:masterClrMapping/>
+  </p:clrMapOvr>
+</p:sld>
+</file>
+
+<file path=ppt/slides/slide17.xml><?xml version="1.0" encoding="utf-8"?>
+<p:sld xmlns:a="http://schemas.openxmlformats.org/drawingml/2006/main" xmlns:r="http://schemas.openxmlformats.org/officeDocument/2006/relationships" xmlns:p="http://schemas.openxmlformats.org/presentationml/2006/main">
+  <p:cSld>
+    <p:spTree>
+      <p:nvGrpSpPr>
+        <p:cNvPr id="1" name=""/>
+        <p:cNvGrpSpPr/>
+        <p:nvPr/>
+      </p:nvGrpSpPr>
+      <p:grpSpPr>
+        <a:xfrm>
+          <a:off x="0" y="0"/>
+          <a:ext cx="0" cy="0"/>
+          <a:chOff x="0" y="0"/>
+          <a:chExt cx="0" cy="0"/>
+        </a:xfrm>
+      </p:grpSpPr>
+      <p:sp>
+        <p:nvSpPr>
+          <p:cNvPr id="2" name="Titel 1">
+            <a:extLst>
+              <a:ext uri="{FF2B5EF4-FFF2-40B4-BE49-F238E27FC236}">
+                <a16:creationId xmlns:a16="http://schemas.microsoft.com/office/drawing/2014/main" id="{1C8F280A-727D-49C7-847A-BA55DD029F5D}"/>
+              </a:ext>
+            </a:extLst>
+          </p:cNvPr>
+          <p:cNvSpPr>
+            <a:spLocks noGrp="1"/>
+          </p:cNvSpPr>
+          <p:nvPr>
+            <p:ph type="title"/>
+          </p:nvPr>
+        </p:nvSpPr>
+        <p:spPr/>
+        <p:txBody>
+          <a:bodyPr>
+            <a:noAutofit/>
+          </a:bodyPr>
+          <a:lstStyle/>
+          <a:p>
+            <a:r>
+              <a:rPr lang="de-DE" dirty="0"/>
+              <a:t>Neues Anmeldungskonto einrichten mit Adminrechten</a:t>
+            </a:r>
+          </a:p>
+        </p:txBody>
+      </p:sp>
+      <p:pic>
+        <p:nvPicPr>
+          <p:cNvPr id="10" name="Inhaltsplatzhalter 3">
+            <a:extLst>
+              <a:ext uri="{FF2B5EF4-FFF2-40B4-BE49-F238E27FC236}">
+                <a16:creationId xmlns:a16="http://schemas.microsoft.com/office/drawing/2014/main" id="{442CC94C-2081-4964-8625-9CCFC6DCE352}"/>
+              </a:ext>
+            </a:extLst>
+          </p:cNvPr>
+          <p:cNvPicPr>
+            <a:picLocks noGrp="1"/>
+          </p:cNvPicPr>
+          <p:nvPr>
+            <p:ph idx="1"/>
+          </p:nvPr>
+        </p:nvPicPr>
+        <p:blipFill>
+          <a:blip r:embed="rId2" cstate="print">
+            <a:extLst>
+              <a:ext uri="{28A0092B-C50C-407E-A947-70E740481C1C}">
+                <a14:useLocalDpi xmlns:a14="http://schemas.microsoft.com/office/drawing/2010/main" val="0"/>
+              </a:ext>
+            </a:extLst>
+          </a:blip>
+          <a:stretch>
+            <a:fillRect/>
+          </a:stretch>
+        </p:blipFill>
+        <p:spPr>
+          <a:xfrm>
+            <a:off x="2063692" y="2466363"/>
+            <a:ext cx="7852675" cy="3838185"/>
+          </a:xfrm>
+          <a:prstGeom prst="rect">
+            <a:avLst/>
+          </a:prstGeom>
+        </p:spPr>
+      </p:pic>
+    </p:spTree>
+    <p:extLst>
+      <p:ext uri="{BB962C8B-B14F-4D97-AF65-F5344CB8AC3E}">
+        <p14:creationId xmlns:p14="http://schemas.microsoft.com/office/powerpoint/2010/main" val="4045584877"/>
+      </p:ext>
+    </p:extLst>
+  </p:cSld>
+  <p:clrMapOvr>
+    <a:masterClrMapping/>
+  </p:clrMapOvr>
+</p:sld>
+</file>
+
+<file path=ppt/slides/slide18.xml><?xml version="1.0" encoding="utf-8"?>
+<p:sld xmlns:a="http://schemas.openxmlformats.org/drawingml/2006/main" xmlns:r="http://schemas.openxmlformats.org/officeDocument/2006/relationships" xmlns:p="http://schemas.openxmlformats.org/presentationml/2006/main">
+  <p:cSld>
+    <p:spTree>
+      <p:nvGrpSpPr>
+        <p:cNvPr id="1" name=""/>
+        <p:cNvGrpSpPr/>
+        <p:nvPr/>
+      </p:nvGrpSpPr>
+      <p:grpSpPr>
+        <a:xfrm>
+          <a:off x="0" y="0"/>
+          <a:ext cx="0" cy="0"/>
+          <a:chOff x="0" y="0"/>
+          <a:chExt cx="0" cy="0"/>
+        </a:xfrm>
+      </p:grpSpPr>
+      <p:sp>
+        <p:nvSpPr>
+          <p:cNvPr id="2" name="Titel 1">
+            <a:extLst>
+              <a:ext uri="{FF2B5EF4-FFF2-40B4-BE49-F238E27FC236}">
+                <a16:creationId xmlns:a16="http://schemas.microsoft.com/office/drawing/2014/main" id="{1C8F280A-727D-49C7-847A-BA55DD029F5D}"/>
+              </a:ext>
+            </a:extLst>
+          </p:cNvPr>
+          <p:cNvSpPr>
+            <a:spLocks noGrp="1"/>
+          </p:cNvSpPr>
+          <p:nvPr>
+            <p:ph type="title"/>
+          </p:nvPr>
+        </p:nvSpPr>
+        <p:spPr/>
+        <p:txBody>
+          <a:bodyPr>
+            <a:noAutofit/>
+          </a:bodyPr>
+          <a:lstStyle/>
+          <a:p>
+            <a:r>
+              <a:rPr lang="de-DE" dirty="0"/>
+              <a:t>Datenbankbenutzer anlegen und Rechtevergabe</a:t>
+            </a:r>
+          </a:p>
+        </p:txBody>
+      </p:sp>
+      <p:pic>
+        <p:nvPicPr>
+          <p:cNvPr id="6" name="Inhaltsplatzhalter 5">
+            <a:extLst>
+              <a:ext uri="{FF2B5EF4-FFF2-40B4-BE49-F238E27FC236}">
+                <a16:creationId xmlns:a16="http://schemas.microsoft.com/office/drawing/2014/main" id="{C585B7DE-B629-40F1-B7C0-D319EDE9C790}"/>
+              </a:ext>
+            </a:extLst>
+          </p:cNvPr>
+          <p:cNvPicPr>
+            <a:picLocks noGrp="1"/>
+          </p:cNvPicPr>
+          <p:nvPr>
+            <p:ph idx="1"/>
+          </p:nvPr>
+        </p:nvPicPr>
+        <p:blipFill>
+          <a:blip r:embed="rId2">
+            <a:extLst>
+              <a:ext uri="{28A0092B-C50C-407E-A947-70E740481C1C}">
+                <a14:useLocalDpi xmlns:a14="http://schemas.microsoft.com/office/drawing/2010/main" val="0"/>
+              </a:ext>
+            </a:extLst>
+          </a:blip>
+          <a:stretch>
+            <a:fillRect/>
+          </a:stretch>
+        </p:blipFill>
+        <p:spPr>
+          <a:xfrm>
+            <a:off x="3753247" y="2603500"/>
+            <a:ext cx="3629819" cy="3416300"/>
+          </a:xfrm>
+          <a:prstGeom prst="rect">
+            <a:avLst/>
+          </a:prstGeom>
+        </p:spPr>
+      </p:pic>
+    </p:spTree>
+    <p:extLst>
+      <p:ext uri="{BB962C8B-B14F-4D97-AF65-F5344CB8AC3E}">
+        <p14:creationId xmlns:p14="http://schemas.microsoft.com/office/powerpoint/2010/main" val="620855412"/>
+      </p:ext>
+    </p:extLst>
+  </p:cSld>
+  <p:clrMapOvr>
+    <a:masterClrMapping/>
+  </p:clrMapOvr>
+</p:sld>
+</file>
+
+<file path=ppt/slides/slide19.xml><?xml version="1.0" encoding="utf-8"?>
+<p:sld xmlns:a="http://schemas.openxmlformats.org/drawingml/2006/main" xmlns:r="http://schemas.openxmlformats.org/officeDocument/2006/relationships" xmlns:p="http://schemas.openxmlformats.org/presentationml/2006/main">
+  <p:cSld>
+    <p:spTree>
+      <p:nvGrpSpPr>
+        <p:cNvPr id="1" name=""/>
+        <p:cNvGrpSpPr/>
+        <p:nvPr/>
+      </p:nvGrpSpPr>
+      <p:grpSpPr>
+        <a:xfrm>
+          <a:off x="0" y="0"/>
+          <a:ext cx="0" cy="0"/>
+          <a:chOff x="0" y="0"/>
+          <a:chExt cx="0" cy="0"/>
+        </a:xfrm>
+      </p:grpSpPr>
+      <p:sp>
+        <p:nvSpPr>
+          <p:cNvPr id="2" name="Titel 1">
+            <a:extLst>
+              <a:ext uri="{FF2B5EF4-FFF2-40B4-BE49-F238E27FC236}">
+                <a16:creationId xmlns:a16="http://schemas.microsoft.com/office/drawing/2014/main" id="{1C8F280A-727D-49C7-847A-BA55DD029F5D}"/>
+              </a:ext>
+            </a:extLst>
+          </p:cNvPr>
+          <p:cNvSpPr>
+            <a:spLocks noGrp="1"/>
+          </p:cNvSpPr>
+          <p:nvPr>
+            <p:ph type="title"/>
+          </p:nvPr>
+        </p:nvSpPr>
+        <p:spPr/>
+        <p:txBody>
+          <a:bodyPr>
+            <a:noAutofit/>
+          </a:bodyPr>
+          <a:lstStyle/>
+          <a:p>
+            <a:r>
+              <a:rPr lang="de-DE" dirty="0"/>
+              <a:t>Datenbankrolle Benutzer zuweisen</a:t>
+            </a:r>
+          </a:p>
+        </p:txBody>
+      </p:sp>
+      <p:pic>
+        <p:nvPicPr>
+          <p:cNvPr id="5" name="Inhaltsplatzhalter 4">
+            <a:extLst>
+              <a:ext uri="{FF2B5EF4-FFF2-40B4-BE49-F238E27FC236}">
+                <a16:creationId xmlns:a16="http://schemas.microsoft.com/office/drawing/2014/main" id="{4EA9D52F-4B30-4525-B781-CBC52F442CA0}"/>
+              </a:ext>
+            </a:extLst>
+          </p:cNvPr>
+          <p:cNvPicPr>
+            <a:picLocks noGrp="1"/>
+          </p:cNvPicPr>
+          <p:nvPr>
+            <p:ph idx="1"/>
+          </p:nvPr>
+        </p:nvPicPr>
+        <p:blipFill>
+          <a:blip r:embed="rId2">
+            <a:extLst>
+              <a:ext uri="{28A0092B-C50C-407E-A947-70E740481C1C}">
+                <a14:useLocalDpi xmlns:a14="http://schemas.microsoft.com/office/drawing/2010/main" val="0"/>
+              </a:ext>
+            </a:extLst>
+          </a:blip>
+          <a:stretch>
+            <a:fillRect/>
+          </a:stretch>
+        </p:blipFill>
+        <p:spPr>
+          <a:xfrm>
+            <a:off x="3755532" y="2603500"/>
+            <a:ext cx="3625248" cy="3416300"/>
+          </a:xfrm>
+          <a:prstGeom prst="rect">
+            <a:avLst/>
+          </a:prstGeom>
+        </p:spPr>
+      </p:pic>
+    </p:spTree>
+    <p:extLst>
+      <p:ext uri="{BB962C8B-B14F-4D97-AF65-F5344CB8AC3E}">
+        <p14:creationId xmlns:p14="http://schemas.microsoft.com/office/powerpoint/2010/main" val="570253957"/>
+      </p:ext>
+    </p:extLst>
+  </p:cSld>
+  <p:clrMapOvr>
+    <a:masterClrMapping/>
+  </p:clrMapOvr>
+</p:sld>
+</file>
+
+<file path=ppt/slides/slide2.xml><?xml version="1.0" encoding="utf-8"?>
+<p:sld xmlns:a="http://schemas.openxmlformats.org/drawingml/2006/main" xmlns:r="http://schemas.openxmlformats.org/officeDocument/2006/relationships" xmlns:p="http://schemas.openxmlformats.org/presentationml/2006/main">
+  <p:cSld>
+    <p:spTree>
+      <p:nvGrpSpPr>
+        <p:cNvPr id="1" name=""/>
+        <p:cNvGrpSpPr/>
+        <p:nvPr/>
+      </p:nvGrpSpPr>
+      <p:grpSpPr>
+        <a:xfrm>
+          <a:off x="0" y="0"/>
+          <a:ext cx="0" cy="0"/>
+          <a:chOff x="0" y="0"/>
+          <a:chExt cx="0" cy="0"/>
+        </a:xfrm>
+      </p:grpSpPr>
+      <p:sp>
+        <p:nvSpPr>
+          <p:cNvPr id="2" name="Titel 1">
+            <a:extLst>
+              <a:ext uri="{FF2B5EF4-FFF2-40B4-BE49-F238E27FC236}">
+                <a16:creationId xmlns:a16="http://schemas.microsoft.com/office/drawing/2014/main" id="{4B0301EE-D4CC-4B14-9558-B57D2577BCF8}"/>
+              </a:ext>
+            </a:extLst>
+          </p:cNvPr>
+          <p:cNvSpPr>
+            <a:spLocks noGrp="1"/>
+          </p:cNvSpPr>
+          <p:nvPr>
+            <p:ph type="title"/>
+          </p:nvPr>
+        </p:nvSpPr>
+        <p:spPr/>
+        <p:txBody>
+          <a:bodyPr/>
+          <a:lstStyle/>
+          <a:p>
+            <a:r>
+              <a:rPr lang="de-DE" b="1" dirty="0"/>
+              <a:t>Phase 1 -</a:t>
+            </a:r>
+            <a:br>
+              <a:rPr lang="de-DE" b="1" dirty="0"/>
+            </a:br>
+            <a:r>
+              <a:rPr lang="de-DE" b="1" dirty="0"/>
+              <a:t>Use-Case-Diagramm</a:t>
+            </a:r>
+            <a:br>
+              <a:rPr lang="de-DE" b="1" dirty="0"/>
+            </a:br>
+            <a:endParaRPr lang="de-DE" dirty="0"/>
+          </a:p>
+        </p:txBody>
+      </p:sp>
+      <p:pic>
+        <p:nvPicPr>
+          <p:cNvPr id="5" name="Inhaltsplatzhalter 4">
+            <a:extLst>
+              <a:ext uri="{FF2B5EF4-FFF2-40B4-BE49-F238E27FC236}">
+                <a16:creationId xmlns:a16="http://schemas.microsoft.com/office/drawing/2014/main" id="{D41B7731-4CEF-4A07-8DB3-DBF0C36F4874}"/>
+              </a:ext>
+            </a:extLst>
+          </p:cNvPr>
+          <p:cNvPicPr>
+            <a:picLocks noGrp="1" noChangeAspect="1"/>
+          </p:cNvPicPr>
+          <p:nvPr>
+            <p:ph idx="1"/>
+          </p:nvPr>
+        </p:nvPicPr>
+        <p:blipFill>
+          <a:blip r:embed="rId2"/>
+          <a:stretch>
+            <a:fillRect/>
+          </a:stretch>
+        </p:blipFill>
+        <p:spPr>
+          <a:xfrm>
+            <a:off x="5781675" y="1818613"/>
+            <a:ext cx="5189538" cy="3830373"/>
+          </a:xfrm>
+        </p:spPr>
+      </p:pic>
+      <p:sp>
+        <p:nvSpPr>
+          <p:cNvPr id="3" name="Textplatzhalter 2">
+            <a:extLst>
+              <a:ext uri="{FF2B5EF4-FFF2-40B4-BE49-F238E27FC236}">
+                <a16:creationId xmlns:a16="http://schemas.microsoft.com/office/drawing/2014/main" id="{40240573-144D-494B-9D36-FC855275EC39}"/>
+              </a:ext>
+            </a:extLst>
+          </p:cNvPr>
+          <p:cNvSpPr>
+            <a:spLocks noGrp="1"/>
+          </p:cNvSpPr>
+          <p:nvPr>
+            <p:ph type="body" sz="half" idx="2"/>
+          </p:nvPr>
+        </p:nvSpPr>
+        <p:spPr/>
+        <p:txBody>
+          <a:bodyPr/>
+          <a:lstStyle/>
+          <a:p>
+            <a:pPr marL="285750" indent="-285750">
+              <a:buFontTx/>
+              <a:buChar char="-"/>
+            </a:pPr>
+            <a:r>
+              <a:rPr lang="de-DE" dirty="0"/>
+              <a:t>Grober Überblick über die Aktoren, Tätigkeiten und Prozesse</a:t>
+            </a:r>
+          </a:p>
+          <a:p>
+            <a:pPr marL="285750" indent="-285750">
+              <a:buFontTx/>
+              <a:buChar char="-"/>
+            </a:pPr>
+            <a:r>
+              <a:rPr lang="de-DE" dirty="0"/>
+              <a:t>Beziehung zwischen Aktoren und Objekten grob dargestellt </a:t>
+            </a:r>
+          </a:p>
+          <a:p>
+            <a:pPr marL="285750" indent="-285750">
+              <a:buFontTx/>
+              <a:buChar char="-"/>
+            </a:pPr>
+            <a:r>
+              <a:rPr lang="de-DE" dirty="0"/>
+              <a:t>Noch sehr unübersichtlich</a:t>
+            </a:r>
+          </a:p>
+          <a:p>
+            <a:pPr marL="285750" indent="-285750">
+              <a:buFontTx/>
+              <a:buChar char="-"/>
+            </a:pPr>
+            <a:endParaRPr lang="de-DE" dirty="0"/>
+          </a:p>
+          <a:p>
+            <a:pPr marL="285750" indent="-285750">
+              <a:buFontTx/>
+              <a:buChar char="-"/>
+            </a:pPr>
+            <a:endParaRPr lang="de-DE" dirty="0"/>
+          </a:p>
+        </p:txBody>
+      </p:sp>
+    </p:spTree>
+    <p:extLst>
+      <p:ext uri="{BB962C8B-B14F-4D97-AF65-F5344CB8AC3E}">
+        <p14:creationId xmlns:p14="http://schemas.microsoft.com/office/powerpoint/2010/main" val="352444962"/>
+      </p:ext>
+    </p:extLst>
+  </p:cSld>
+  <p:clrMapOvr>
+    <a:masterClrMapping/>
+  </p:clrMapOvr>
+</p:sld>
+</file>
+
+<file path=ppt/slides/slide20.xml><?xml version="1.0" encoding="utf-8"?>
+<p:sld xmlns:a="http://schemas.openxmlformats.org/drawingml/2006/main" xmlns:r="http://schemas.openxmlformats.org/officeDocument/2006/relationships" xmlns:p="http://schemas.openxmlformats.org/presentationml/2006/main">
+  <p:cSld>
+    <p:spTree>
+      <p:nvGrpSpPr>
+        <p:cNvPr id="1" name=""/>
+        <p:cNvGrpSpPr/>
+        <p:nvPr/>
+      </p:nvGrpSpPr>
+      <p:grpSpPr>
+        <a:xfrm>
+          <a:off x="0" y="0"/>
+          <a:ext cx="0" cy="0"/>
+          <a:chOff x="0" y="0"/>
+          <a:chExt cx="0" cy="0"/>
+        </a:xfrm>
+      </p:grpSpPr>
+      <p:sp>
+        <p:nvSpPr>
+          <p:cNvPr id="2" name="Titel 1">
+            <a:extLst>
+              <a:ext uri="{FF2B5EF4-FFF2-40B4-BE49-F238E27FC236}">
+                <a16:creationId xmlns:a16="http://schemas.microsoft.com/office/drawing/2014/main" id="{1C8F280A-727D-49C7-847A-BA55DD029F5D}"/>
+              </a:ext>
+            </a:extLst>
+          </p:cNvPr>
+          <p:cNvSpPr>
+            <a:spLocks noGrp="1"/>
+          </p:cNvSpPr>
+          <p:nvPr>
+            <p:ph type="title"/>
+          </p:nvPr>
+        </p:nvSpPr>
+        <p:spPr/>
+        <p:txBody>
+          <a:bodyPr>
+            <a:noAutofit/>
+          </a:bodyPr>
+          <a:lstStyle/>
+          <a:p>
+            <a:r>
+              <a:rPr lang="de-DE" dirty="0"/>
+              <a:t>Neue Tabelle in der DB anlegen </a:t>
+            </a:r>
+          </a:p>
+        </p:txBody>
+      </p:sp>
+      <p:pic>
+        <p:nvPicPr>
+          <p:cNvPr id="5" name="Inhaltsplatzhalter 3">
+            <a:extLst>
+              <a:ext uri="{FF2B5EF4-FFF2-40B4-BE49-F238E27FC236}">
+                <a16:creationId xmlns:a16="http://schemas.microsoft.com/office/drawing/2014/main" id="{D4830E8C-62DA-4AC9-AD5E-D45618472695}"/>
+              </a:ext>
+            </a:extLst>
+          </p:cNvPr>
+          <p:cNvPicPr>
+            <a:picLocks noGrp="1" noChangeAspect="1"/>
+          </p:cNvPicPr>
+          <p:nvPr>
+            <p:ph idx="1"/>
+          </p:nvPr>
+        </p:nvPicPr>
+        <p:blipFill>
+          <a:blip r:embed="rId2"/>
+          <a:stretch>
+            <a:fillRect/>
+          </a:stretch>
+        </p:blipFill>
+        <p:spPr>
+          <a:xfrm>
+            <a:off x="2372073" y="2758858"/>
+            <a:ext cx="6392167" cy="3105583"/>
+          </a:xfrm>
+          <a:prstGeom prst="rect">
+            <a:avLst/>
+          </a:prstGeom>
+        </p:spPr>
+      </p:pic>
+    </p:spTree>
+    <p:extLst>
+      <p:ext uri="{BB962C8B-B14F-4D97-AF65-F5344CB8AC3E}">
+        <p14:creationId xmlns:p14="http://schemas.microsoft.com/office/powerpoint/2010/main" val="2211823706"/>
+      </p:ext>
+    </p:extLst>
+  </p:cSld>
+  <p:clrMapOvr>
+    <a:masterClrMapping/>
+  </p:clrMapOvr>
+</p:sld>
+</file>
+
+<file path=ppt/slides/slide21.xml><?xml version="1.0" encoding="utf-8"?>
+<p:sld xmlns:a="http://schemas.openxmlformats.org/drawingml/2006/main" xmlns:r="http://schemas.openxmlformats.org/officeDocument/2006/relationships" xmlns:p="http://schemas.openxmlformats.org/presentationml/2006/main">
+  <p:cSld>
+    <p:spTree>
+      <p:nvGrpSpPr>
+        <p:cNvPr id="1" name=""/>
+        <p:cNvGrpSpPr/>
+        <p:nvPr/>
+      </p:nvGrpSpPr>
+      <p:grpSpPr>
+        <a:xfrm>
+          <a:off x="0" y="0"/>
+          <a:ext cx="0" cy="0"/>
+          <a:chOff x="0" y="0"/>
+          <a:chExt cx="0" cy="0"/>
+        </a:xfrm>
+      </p:grpSpPr>
+      <p:sp>
+        <p:nvSpPr>
+          <p:cNvPr id="2" name="Titel 1">
+            <a:extLst>
+              <a:ext uri="{FF2B5EF4-FFF2-40B4-BE49-F238E27FC236}">
+                <a16:creationId xmlns:a16="http://schemas.microsoft.com/office/drawing/2014/main" id="{1C8F280A-727D-49C7-847A-BA55DD029F5D}"/>
+              </a:ext>
+            </a:extLst>
+          </p:cNvPr>
+          <p:cNvSpPr>
+            <a:spLocks noGrp="1"/>
+          </p:cNvSpPr>
+          <p:nvPr>
+            <p:ph type="title"/>
+          </p:nvPr>
+        </p:nvSpPr>
+        <p:spPr/>
+        <p:txBody>
+          <a:bodyPr>
+            <a:noAutofit/>
+          </a:bodyPr>
+          <a:lstStyle/>
+          <a:p>
+            <a:r>
+              <a:rPr lang="de-DE" dirty="0"/>
+              <a:t>Rechtevergabe an DB Benutzer</a:t>
+            </a:r>
+          </a:p>
+        </p:txBody>
+      </p:sp>
+      <p:pic>
+        <p:nvPicPr>
+          <p:cNvPr id="5" name="Inhaltsplatzhalter 3">
+            <a:extLst>
+              <a:ext uri="{FF2B5EF4-FFF2-40B4-BE49-F238E27FC236}">
+                <a16:creationId xmlns:a16="http://schemas.microsoft.com/office/drawing/2014/main" id="{50DEC03A-8B74-401D-8F32-A871D75A5546}"/>
+              </a:ext>
+            </a:extLst>
+          </p:cNvPr>
+          <p:cNvPicPr>
+            <a:picLocks noGrp="1" noChangeAspect="1"/>
+          </p:cNvPicPr>
+          <p:nvPr>
+            <p:ph idx="1"/>
+          </p:nvPr>
+        </p:nvPicPr>
+        <p:blipFill>
+          <a:blip r:embed="rId2"/>
+          <a:stretch>
+            <a:fillRect/>
+          </a:stretch>
+        </p:blipFill>
+        <p:spPr>
+          <a:xfrm>
+            <a:off x="3758609" y="2603500"/>
+            <a:ext cx="3619094" cy="3416300"/>
+          </a:xfrm>
+          <a:prstGeom prst="rect">
+            <a:avLst/>
+          </a:prstGeom>
+        </p:spPr>
+      </p:pic>
+    </p:spTree>
+    <p:extLst>
+      <p:ext uri="{BB962C8B-B14F-4D97-AF65-F5344CB8AC3E}">
+        <p14:creationId xmlns:p14="http://schemas.microsoft.com/office/powerpoint/2010/main" val="3746274642"/>
+      </p:ext>
+    </p:extLst>
+  </p:cSld>
+  <p:clrMapOvr>
+    <a:masterClrMapping/>
+  </p:clrMapOvr>
+</p:sld>
+</file>
+
+<file path=ppt/slides/slide22.xml><?xml version="1.0" encoding="utf-8"?>
+<p:sld xmlns:a="http://schemas.openxmlformats.org/drawingml/2006/main" xmlns:r="http://schemas.openxmlformats.org/officeDocument/2006/relationships" xmlns:p="http://schemas.openxmlformats.org/presentationml/2006/main">
+  <p:cSld>
+    <p:spTree>
+      <p:nvGrpSpPr>
+        <p:cNvPr id="1" name=""/>
+        <p:cNvGrpSpPr/>
+        <p:nvPr/>
+      </p:nvGrpSpPr>
+      <p:grpSpPr>
+        <a:xfrm>
+          <a:off x="0" y="0"/>
+          <a:ext cx="0" cy="0"/>
+          <a:chOff x="0" y="0"/>
+          <a:chExt cx="0" cy="0"/>
+        </a:xfrm>
+      </p:grpSpPr>
+      <p:sp>
+        <p:nvSpPr>
+          <p:cNvPr id="2" name="Titel 1">
+            <a:extLst>
+              <a:ext uri="{FF2B5EF4-FFF2-40B4-BE49-F238E27FC236}">
+                <a16:creationId xmlns:a16="http://schemas.microsoft.com/office/drawing/2014/main" id="{1C8F280A-727D-49C7-847A-BA55DD029F5D}"/>
+              </a:ext>
+            </a:extLst>
+          </p:cNvPr>
+          <p:cNvSpPr>
+            <a:spLocks noGrp="1"/>
+          </p:cNvSpPr>
+          <p:nvPr>
+            <p:ph type="title"/>
+          </p:nvPr>
+        </p:nvSpPr>
+        <p:spPr/>
+        <p:txBody>
+          <a:bodyPr>
+            <a:noAutofit/>
+          </a:bodyPr>
+          <a:lstStyle/>
+          <a:p>
+            <a:r>
+              <a:rPr lang="de-DE" dirty="0"/>
+              <a:t>Tabelle Auftragsdaten anlegen</a:t>
+            </a:r>
+          </a:p>
+        </p:txBody>
+      </p:sp>
+      <p:pic>
+        <p:nvPicPr>
+          <p:cNvPr id="5" name="Inhaltsplatzhalter 3">
+            <a:extLst>
+              <a:ext uri="{FF2B5EF4-FFF2-40B4-BE49-F238E27FC236}">
+                <a16:creationId xmlns:a16="http://schemas.microsoft.com/office/drawing/2014/main" id="{89970804-1EE2-494B-8D93-27171245C56F}"/>
+              </a:ext>
+            </a:extLst>
+          </p:cNvPr>
+          <p:cNvPicPr>
+            <a:picLocks noGrp="1" noChangeAspect="1"/>
+          </p:cNvPicPr>
+          <p:nvPr>
+            <p:ph idx="1"/>
+          </p:nvPr>
+        </p:nvPicPr>
+        <p:blipFill>
+          <a:blip r:embed="rId2"/>
+          <a:stretch>
+            <a:fillRect/>
+          </a:stretch>
+        </p:blipFill>
+        <p:spPr>
+          <a:xfrm>
+            <a:off x="3658222" y="2504122"/>
+            <a:ext cx="4875556" cy="3579846"/>
+          </a:xfrm>
+          <a:prstGeom prst="rect">
+            <a:avLst/>
+          </a:prstGeom>
+        </p:spPr>
+      </p:pic>
+    </p:spTree>
+    <p:extLst>
+      <p:ext uri="{BB962C8B-B14F-4D97-AF65-F5344CB8AC3E}">
+        <p14:creationId xmlns:p14="http://schemas.microsoft.com/office/powerpoint/2010/main" val="374125629"/>
+      </p:ext>
+    </p:extLst>
+  </p:cSld>
+  <p:clrMapOvr>
+    <a:masterClrMapping/>
+  </p:clrMapOvr>
+</p:sld>
+</file>
+
+<file path=ppt/slides/slide3.xml><?xml version="1.0" encoding="utf-8"?>
+<p:sld xmlns:a="http://schemas.openxmlformats.org/drawingml/2006/main" xmlns:r="http://schemas.openxmlformats.org/officeDocument/2006/relationships" xmlns:p="http://schemas.openxmlformats.org/presentationml/2006/main">
+  <p:cSld>
+    <p:spTree>
+      <p:nvGrpSpPr>
+        <p:cNvPr id="1" name=""/>
+        <p:cNvGrpSpPr/>
+        <p:nvPr/>
+      </p:nvGrpSpPr>
+      <p:grpSpPr>
+        <a:xfrm>
+          <a:off x="0" y="0"/>
+          <a:ext cx="0" cy="0"/>
+          <a:chOff x="0" y="0"/>
+          <a:chExt cx="0" cy="0"/>
+        </a:xfrm>
+      </p:grpSpPr>
+      <p:sp>
+        <p:nvSpPr>
+          <p:cNvPr id="5" name="Titel 4">
+            <a:extLst>
+              <a:ext uri="{FF2B5EF4-FFF2-40B4-BE49-F238E27FC236}">
+                <a16:creationId xmlns:a16="http://schemas.microsoft.com/office/drawing/2014/main" id="{0657CE04-E44C-472B-8824-3E9623BF31F2}"/>
+              </a:ext>
+            </a:extLst>
+          </p:cNvPr>
+          <p:cNvSpPr>
+            <a:spLocks noGrp="1"/>
+          </p:cNvSpPr>
+          <p:nvPr>
+            <p:ph type="title"/>
+          </p:nvPr>
+        </p:nvSpPr>
+        <p:spPr/>
+        <p:txBody>
+          <a:bodyPr/>
+          <a:lstStyle/>
+          <a:p>
+            <a:r>
+              <a:rPr lang="de-DE" dirty="0"/>
+              <a:t>Phase 2 – </a:t>
+            </a:r>
+            <a:r>
+              <a:rPr lang="de-DE" dirty="0" err="1"/>
+              <a:t>Git</a:t>
+            </a:r>
+            <a:r>
+              <a:rPr lang="de-DE" dirty="0"/>
+              <a:t> Hub Repository</a:t>
+            </a:r>
+          </a:p>
+        </p:txBody>
+      </p:sp>
+      <p:sp>
+        <p:nvSpPr>
+          <p:cNvPr id="6" name="Inhaltsplatzhalter 5">
+            <a:extLst>
+              <a:ext uri="{FF2B5EF4-FFF2-40B4-BE49-F238E27FC236}">
+                <a16:creationId xmlns:a16="http://schemas.microsoft.com/office/drawing/2014/main" id="{77B9E214-0189-41DA-9D92-E58108E51AA7}"/>
+              </a:ext>
+            </a:extLst>
+          </p:cNvPr>
+          <p:cNvSpPr>
+            <a:spLocks noGrp="1"/>
+          </p:cNvSpPr>
+          <p:nvPr>
+            <p:ph idx="1"/>
+          </p:nvPr>
+        </p:nvSpPr>
+        <p:spPr/>
+        <p:txBody>
+          <a:bodyPr/>
+          <a:lstStyle/>
+          <a:p>
+            <a:r>
+              <a:rPr lang="de-DE" dirty="0"/>
+              <a:t>Für ein besseres zusammenarbeiten haben wir ein </a:t>
+            </a:r>
+            <a:r>
+              <a:rPr lang="de-DE" dirty="0" err="1"/>
+              <a:t>Git</a:t>
+            </a:r>
+            <a:r>
+              <a:rPr lang="de-DE" dirty="0"/>
+              <a:t>-Repository erstellt um gemeinsam an Projektdateien heranzukommen und zu bearbeiten</a:t>
+            </a:r>
+          </a:p>
+          <a:p>
+            <a:r>
+              <a:rPr lang="de-DE" dirty="0"/>
+              <a:t>Möglichkeit ortsunabhängig zu arbeiten</a:t>
+            </a:r>
+          </a:p>
+          <a:p>
+            <a:r>
+              <a:rPr lang="de-DE" dirty="0"/>
+              <a:t>Rechteverteilung der einzelnen Mitarbeiter</a:t>
+            </a:r>
+          </a:p>
+          <a:p>
+            <a:r>
+              <a:rPr lang="de-DE" dirty="0"/>
+              <a:t>Dateibenennung mit eindeutigen Namen</a:t>
+            </a:r>
+          </a:p>
+          <a:p>
+            <a:endParaRPr lang="de-DE" dirty="0"/>
+          </a:p>
+        </p:txBody>
+      </p:sp>
+    </p:spTree>
+    <p:extLst>
+      <p:ext uri="{BB962C8B-B14F-4D97-AF65-F5344CB8AC3E}">
+        <p14:creationId xmlns:p14="http://schemas.microsoft.com/office/powerpoint/2010/main" val="2857881257"/>
+      </p:ext>
+    </p:extLst>
+  </p:cSld>
+  <p:clrMapOvr>
+    <a:masterClrMapping/>
+  </p:clrMapOvr>
+</p:sld>
+</file>
+
+<file path=ppt/slides/slide4.xml><?xml version="1.0" encoding="utf-8"?>
+<p:sld xmlns:a="http://schemas.openxmlformats.org/drawingml/2006/main" xmlns:r="http://schemas.openxmlformats.org/officeDocument/2006/relationships" xmlns:p="http://schemas.openxmlformats.org/presentationml/2006/main">
+  <p:cSld>
+    <p:spTree>
+      <p:nvGrpSpPr>
+        <p:cNvPr id="1" name=""/>
+        <p:cNvGrpSpPr/>
+        <p:nvPr/>
+      </p:nvGrpSpPr>
+      <p:grpSpPr>
+        <a:xfrm>
+          <a:off x="0" y="0"/>
+          <a:ext cx="0" cy="0"/>
+          <a:chOff x="0" y="0"/>
+          <a:chExt cx="0" cy="0"/>
+        </a:xfrm>
+      </p:grpSpPr>
+      <p:sp>
+        <p:nvSpPr>
+          <p:cNvPr id="2" name="Titel 1">
+            <a:extLst>
+              <a:ext uri="{FF2B5EF4-FFF2-40B4-BE49-F238E27FC236}">
+                <a16:creationId xmlns:a16="http://schemas.microsoft.com/office/drawing/2014/main" id="{5A11B460-03CC-468A-A6B4-CA1922646124}"/>
+              </a:ext>
+            </a:extLst>
+          </p:cNvPr>
+          <p:cNvSpPr>
+            <a:spLocks noGrp="1"/>
+          </p:cNvSpPr>
+          <p:nvPr>
+            <p:ph type="title"/>
+          </p:nvPr>
+        </p:nvSpPr>
+        <p:spPr/>
+        <p:txBody>
+          <a:bodyPr/>
+          <a:lstStyle/>
+          <a:p>
+            <a:r>
+              <a:rPr lang="de-DE" b="1" dirty="0"/>
+              <a:t>Phase 3 - Sequenzdiagramm</a:t>
+            </a:r>
+            <a:br>
+              <a:rPr lang="de-DE" b="1" dirty="0"/>
+            </a:br>
+            <a:endParaRPr lang="de-DE" dirty="0"/>
+          </a:p>
+        </p:txBody>
+      </p:sp>
+      <p:pic>
+        <p:nvPicPr>
+          <p:cNvPr id="5" name="Inhaltsplatzhalter 4">
+            <a:extLst>
+              <a:ext uri="{FF2B5EF4-FFF2-40B4-BE49-F238E27FC236}">
+                <a16:creationId xmlns:a16="http://schemas.microsoft.com/office/drawing/2014/main" id="{9FC68AE2-0454-462D-8362-3D33B1BC2D49}"/>
+              </a:ext>
+            </a:extLst>
+          </p:cNvPr>
+          <p:cNvPicPr>
+            <a:picLocks noGrp="1" noChangeAspect="1"/>
+          </p:cNvPicPr>
+          <p:nvPr>
+            <p:ph idx="1"/>
+          </p:nvPr>
+        </p:nvPicPr>
+        <p:blipFill>
+          <a:blip r:embed="rId2"/>
+          <a:stretch>
+            <a:fillRect/>
+          </a:stretch>
+        </p:blipFill>
+        <p:spPr>
+          <a:xfrm>
+            <a:off x="836173" y="2293108"/>
+            <a:ext cx="7191793" cy="4421184"/>
+          </a:xfrm>
+        </p:spPr>
+      </p:pic>
+      <p:sp>
+        <p:nvSpPr>
+          <p:cNvPr id="6" name="Textfeld 5">
+            <a:extLst>
+              <a:ext uri="{FF2B5EF4-FFF2-40B4-BE49-F238E27FC236}">
+                <a16:creationId xmlns:a16="http://schemas.microsoft.com/office/drawing/2014/main" id="{2807DD37-E3EC-4E7F-9237-DF11823A5B4E}"/>
+              </a:ext>
+            </a:extLst>
+          </p:cNvPr>
+          <p:cNvSpPr txBox="1"/>
+          <p:nvPr/>
+        </p:nvSpPr>
+        <p:spPr>
+          <a:xfrm>
+            <a:off x="8027966" y="2879931"/>
+            <a:ext cx="5664685" cy="3600986"/>
+          </a:xfrm>
+          <a:prstGeom prst="rect">
+            <a:avLst/>
+          </a:prstGeom>
+          <a:noFill/>
+        </p:spPr>
+        <p:txBody>
+          <a:bodyPr wrap="square" rtlCol="0">
+            <a:spAutoFit/>
+          </a:bodyPr>
+          <a:lstStyle/>
+          <a:p>
+            <a:r>
+              <a:rPr lang="de-DE" sz="1400" b="1" dirty="0"/>
+              <a:t>Sequenzdiagramm</a:t>
+            </a:r>
+          </a:p>
+          <a:p>
+            <a:r>
+              <a:rPr lang="de-DE" sz="1400" dirty="0"/>
+              <a:t> </a:t>
+            </a:r>
+          </a:p>
+          <a:p>
+            <a:r>
+              <a:rPr lang="de-DE" sz="1400" dirty="0"/>
+              <a:t>Vorteil:</a:t>
+            </a:r>
+          </a:p>
+          <a:p>
+            <a:r>
+              <a:rPr lang="de-DE" sz="1400" dirty="0"/>
+              <a:t>Das Sequenzdiagramm ist übersichtlich und </a:t>
+            </a:r>
+            <a:br>
+              <a:rPr lang="de-DE" sz="1400" dirty="0"/>
+            </a:br>
+            <a:r>
+              <a:rPr lang="de-DE" sz="1400" dirty="0"/>
+              <a:t>zeitlich eingeordnet</a:t>
+            </a:r>
+            <a:br>
+              <a:rPr lang="de-DE" sz="1400" dirty="0"/>
+            </a:br>
+            <a:r>
+              <a:rPr lang="de-DE" sz="1400" dirty="0"/>
+              <a:t>viele einzelne Prozesse zu erkennen</a:t>
+            </a:r>
+            <a:br>
+              <a:rPr lang="de-DE" sz="1400" dirty="0"/>
+            </a:br>
+            <a:r>
+              <a:rPr lang="de-DE" sz="1400" dirty="0"/>
+              <a:t>Jeder Aktor kommuniziert separat mit dem anderen.</a:t>
+            </a:r>
+            <a:br>
+              <a:rPr lang="de-DE" sz="1400" dirty="0"/>
+            </a:br>
+            <a:r>
+              <a:rPr lang="de-DE" sz="1400" dirty="0"/>
+              <a:t>Die Lebensspanne der einzelnen Aktoren ist </a:t>
+            </a:r>
+            <a:br>
+              <a:rPr lang="de-DE" sz="1400" dirty="0"/>
+            </a:br>
+            <a:r>
+              <a:rPr lang="de-DE" sz="1400" dirty="0"/>
+              <a:t>dargestellt.</a:t>
+            </a:r>
+            <a:br>
+              <a:rPr lang="de-DE" sz="1400" dirty="0"/>
+            </a:br>
+            <a:r>
+              <a:rPr lang="de-DE" sz="1400" dirty="0"/>
+              <a:t>Aktionen werden genau beschrieben.</a:t>
+            </a:r>
+          </a:p>
+          <a:p>
+            <a:r>
+              <a:rPr lang="de-DE" sz="1400" dirty="0"/>
+              <a:t> </a:t>
+            </a:r>
+          </a:p>
+          <a:p>
+            <a:r>
+              <a:rPr lang="de-DE" sz="1400" dirty="0"/>
+              <a:t>Nachteil:</a:t>
+            </a:r>
+          </a:p>
+          <a:p>
+            <a:r>
+              <a:rPr lang="de-DE" sz="1400" dirty="0"/>
+              <a:t>Nimmt viel Platz ein</a:t>
+            </a:r>
+            <a:br>
+              <a:rPr lang="de-DE" sz="1400" dirty="0"/>
+            </a:br>
+            <a:r>
+              <a:rPr lang="de-DE" sz="1400" dirty="0"/>
+              <a:t>sehr detailliert</a:t>
+            </a:r>
+            <a:br>
+              <a:rPr lang="de-DE" sz="1400" dirty="0"/>
+            </a:br>
+            <a:r>
+              <a:rPr lang="de-DE" sz="1400" dirty="0"/>
+              <a:t>schwierig zu erstellen</a:t>
+            </a:r>
+          </a:p>
+          <a:p>
+            <a:endParaRPr lang="de-DE" dirty="0"/>
+          </a:p>
+        </p:txBody>
+      </p:sp>
+    </p:spTree>
+    <p:extLst>
+      <p:ext uri="{BB962C8B-B14F-4D97-AF65-F5344CB8AC3E}">
+        <p14:creationId xmlns:p14="http://schemas.microsoft.com/office/powerpoint/2010/main" val="2713579915"/>
+      </p:ext>
+    </p:extLst>
+  </p:cSld>
+  <p:clrMapOvr>
+    <a:masterClrMapping/>
+  </p:clrMapOvr>
+</p:sld>
+</file>
+
+<file path=ppt/slides/slide5.xml><?xml version="1.0" encoding="utf-8"?>
+<p:sld xmlns:a="http://schemas.openxmlformats.org/drawingml/2006/main" xmlns:r="http://schemas.openxmlformats.org/officeDocument/2006/relationships" xmlns:p="http://schemas.openxmlformats.org/presentationml/2006/main">
+  <p:cSld>
+    <p:spTree>
+      <p:nvGrpSpPr>
+        <p:cNvPr id="1" name=""/>
+        <p:cNvGrpSpPr/>
+        <p:nvPr/>
+      </p:nvGrpSpPr>
+      <p:grpSpPr>
+        <a:xfrm>
+          <a:off x="0" y="0"/>
+          <a:ext cx="0" cy="0"/>
+          <a:chOff x="0" y="0"/>
+          <a:chExt cx="0" cy="0"/>
+        </a:xfrm>
+      </p:grpSpPr>
+      <p:sp>
+        <p:nvSpPr>
+          <p:cNvPr id="4" name="Titel 3">
+            <a:extLst>
+              <a:ext uri="{FF2B5EF4-FFF2-40B4-BE49-F238E27FC236}">
+                <a16:creationId xmlns:a16="http://schemas.microsoft.com/office/drawing/2014/main" id="{D1937888-B5F4-45A5-A101-7C94334C396C}"/>
+              </a:ext>
+            </a:extLst>
+          </p:cNvPr>
+          <p:cNvSpPr>
+            <a:spLocks noGrp="1"/>
+          </p:cNvSpPr>
+          <p:nvPr>
+            <p:ph type="title"/>
+          </p:nvPr>
+        </p:nvSpPr>
+        <p:spPr/>
+        <p:txBody>
+          <a:bodyPr/>
+          <a:lstStyle/>
+          <a:p>
+            <a:r>
+              <a:rPr lang="de-DE" dirty="0"/>
+              <a:t>Phase 4 – Projekt Wiki</a:t>
+            </a:r>
+          </a:p>
+        </p:txBody>
+      </p:sp>
+      <p:sp>
+        <p:nvSpPr>
+          <p:cNvPr id="6" name="Textplatzhalter 5">
+            <a:extLst>
+              <a:ext uri="{FF2B5EF4-FFF2-40B4-BE49-F238E27FC236}">
+                <a16:creationId xmlns:a16="http://schemas.microsoft.com/office/drawing/2014/main" id="{9DDF1C64-62E8-4879-AE37-FA5578A70090}"/>
+              </a:ext>
+            </a:extLst>
+          </p:cNvPr>
+          <p:cNvSpPr>
+            <a:spLocks noGrp="1"/>
+          </p:cNvSpPr>
+          <p:nvPr>
+            <p:ph type="body" sz="half" idx="2"/>
+          </p:nvPr>
+        </p:nvSpPr>
+        <p:spPr/>
+        <p:txBody>
+          <a:bodyPr/>
+          <a:lstStyle/>
+          <a:p>
+            <a:pPr marL="285750" indent="-285750">
+              <a:buFontTx/>
+              <a:buChar char="-"/>
+            </a:pPr>
+            <a:r>
+              <a:rPr lang="de-DE" dirty="0"/>
+              <a:t>Das Wiki dient zur besseren Übersicht des Projektes</a:t>
+            </a:r>
+          </a:p>
+          <a:p>
+            <a:pPr marL="285750" indent="-285750">
+              <a:buFontTx/>
+              <a:buChar char="-"/>
+            </a:pPr>
+            <a:r>
+              <a:rPr lang="de-DE" dirty="0"/>
+              <a:t>Fertige Teilaufgaben werden hier nachvollziehbar dokumentiert</a:t>
+            </a:r>
+          </a:p>
+          <a:p>
+            <a:pPr marL="285750" indent="-285750">
+              <a:buFontTx/>
+              <a:buChar char="-"/>
+            </a:pPr>
+            <a:r>
+              <a:rPr lang="de-DE" dirty="0"/>
+              <a:t>Das Wiki wurde im </a:t>
+            </a:r>
+            <a:r>
+              <a:rPr lang="de-DE" dirty="0" err="1"/>
+              <a:t>Git</a:t>
+            </a:r>
+            <a:r>
+              <a:rPr lang="de-DE" dirty="0"/>
+              <a:t>-Repository gespeichert</a:t>
+            </a:r>
+          </a:p>
+          <a:p>
+            <a:pPr marL="285750" indent="-285750">
+              <a:buFontTx/>
+              <a:buChar char="-"/>
+            </a:pPr>
+            <a:r>
+              <a:rPr lang="de-DE" dirty="0"/>
+              <a:t>Es ist außerdem in </a:t>
+            </a:r>
+            <a:r>
+              <a:rPr lang="de-DE" dirty="0" err="1"/>
+              <a:t>Git</a:t>
+            </a:r>
+            <a:r>
+              <a:rPr lang="de-DE" dirty="0"/>
+              <a:t>-Hub beschrieben wie man so ein Projekt Wiki anlegt und verwaltet</a:t>
+            </a:r>
+          </a:p>
+          <a:p>
+            <a:endParaRPr lang="de-DE" dirty="0"/>
+          </a:p>
+        </p:txBody>
+      </p:sp>
+      <p:pic>
+        <p:nvPicPr>
+          <p:cNvPr id="7" name="Inhaltsplatzhalter 6">
+            <a:extLst>
+              <a:ext uri="{FF2B5EF4-FFF2-40B4-BE49-F238E27FC236}">
+                <a16:creationId xmlns:a16="http://schemas.microsoft.com/office/drawing/2014/main" id="{88E99BBC-A590-4391-95FE-C842A6E7E014}"/>
+              </a:ext>
+            </a:extLst>
+          </p:cNvPr>
+          <p:cNvPicPr>
+            <a:picLocks noGrp="1" noChangeAspect="1"/>
+          </p:cNvPicPr>
+          <p:nvPr>
+            <p:ph idx="1"/>
+          </p:nvPr>
+        </p:nvPicPr>
+        <p:blipFill>
+          <a:blip r:embed="rId2"/>
+          <a:stretch>
+            <a:fillRect/>
+          </a:stretch>
+        </p:blipFill>
+        <p:spPr>
+          <a:xfrm>
+            <a:off x="6076085" y="1447800"/>
+            <a:ext cx="4600718" cy="4572000"/>
+          </a:xfrm>
+          <a:prstGeom prst="rect">
+            <a:avLst/>
+          </a:prstGeom>
+        </p:spPr>
+      </p:pic>
+    </p:spTree>
+    <p:extLst>
+      <p:ext uri="{BB962C8B-B14F-4D97-AF65-F5344CB8AC3E}">
+        <p14:creationId xmlns:p14="http://schemas.microsoft.com/office/powerpoint/2010/main" val="925926499"/>
+      </p:ext>
+    </p:extLst>
+  </p:cSld>
+  <p:clrMapOvr>
+    <a:masterClrMapping/>
+  </p:clrMapOvr>
+</p:sld>
+</file>
+
+<file path=ppt/slides/slide6.xml><?xml version="1.0" encoding="utf-8"?>
+<p:sld xmlns:a="http://schemas.openxmlformats.org/drawingml/2006/main" xmlns:r="http://schemas.openxmlformats.org/officeDocument/2006/relationships" xmlns:p="http://schemas.openxmlformats.org/presentationml/2006/main">
+  <p:cSld>
+    <p:spTree>
+      <p:nvGrpSpPr>
+        <p:cNvPr id="1" name=""/>
+        <p:cNvGrpSpPr/>
+        <p:nvPr/>
+      </p:nvGrpSpPr>
+      <p:grpSpPr>
+        <a:xfrm>
+          <a:off x="0" y="0"/>
+          <a:ext cx="0" cy="0"/>
+          <a:chOff x="0" y="0"/>
+          <a:chExt cx="0" cy="0"/>
+        </a:xfrm>
+      </p:grpSpPr>
+      <p:sp>
+        <p:nvSpPr>
+          <p:cNvPr id="2" name="Titel 1">
+            <a:extLst>
+              <a:ext uri="{FF2B5EF4-FFF2-40B4-BE49-F238E27FC236}">
+                <a16:creationId xmlns:a16="http://schemas.microsoft.com/office/drawing/2014/main" id="{F39EB84F-150C-4ADA-887B-76A9D00808C3}"/>
+              </a:ext>
+            </a:extLst>
+          </p:cNvPr>
+          <p:cNvSpPr>
+            <a:spLocks noGrp="1"/>
+          </p:cNvSpPr>
+          <p:nvPr>
+            <p:ph type="title"/>
+          </p:nvPr>
+        </p:nvSpPr>
+        <p:spPr/>
+        <p:txBody>
+          <a:bodyPr/>
+          <a:lstStyle/>
+          <a:p>
+            <a:r>
+              <a:rPr lang="de-DE" dirty="0"/>
+              <a:t>Phase 5 – Dateiformate</a:t>
+            </a:r>
+            <a:br>
+              <a:rPr lang="de-DE" dirty="0"/>
+            </a:br>
+            <a:r>
+              <a:rPr lang="de-DE" dirty="0"/>
+              <a:t>VDA</a:t>
+            </a:r>
+          </a:p>
+        </p:txBody>
+      </p:sp>
+      <p:sp>
+        <p:nvSpPr>
+          <p:cNvPr id="3" name="Inhaltsplatzhalter 2">
+            <a:extLst>
+              <a:ext uri="{FF2B5EF4-FFF2-40B4-BE49-F238E27FC236}">
+                <a16:creationId xmlns:a16="http://schemas.microsoft.com/office/drawing/2014/main" id="{FE3675E8-FFE4-4903-B7BA-3ACED9AAC14F}"/>
+              </a:ext>
+            </a:extLst>
+          </p:cNvPr>
+          <p:cNvSpPr>
+            <a:spLocks noGrp="1"/>
+          </p:cNvSpPr>
+          <p:nvPr>
+            <p:ph idx="1"/>
+          </p:nvPr>
+        </p:nvSpPr>
+        <p:spPr/>
+        <p:txBody>
+          <a:bodyPr/>
+          <a:lstStyle/>
+          <a:p>
+            <a:pPr lvl="0"/>
+            <a:r>
+              <a:rPr lang="de-DE" dirty="0"/>
+              <a:t>Primär zum Austausch von Karosseriedaten und Gussteilen</a:t>
+            </a:r>
+          </a:p>
+          <a:p>
+            <a:pPr lvl="0"/>
+            <a:r>
+              <a:rPr lang="de-DE" dirty="0"/>
+              <a:t>Eignet sich insbesondere zum Austausch von Freiformflächen, die mit flächenorientierter 3D-Software erstellt wurden</a:t>
+            </a:r>
+          </a:p>
+          <a:p>
+            <a:pPr lvl="0"/>
+            <a:r>
+              <a:rPr lang="de-DE" dirty="0"/>
+              <a:t>Punkte, Punktmengen und Vektoren können übertragen werden</a:t>
+            </a:r>
+          </a:p>
+          <a:p>
+            <a:pPr lvl="0"/>
+            <a:r>
+              <a:rPr lang="de-DE" dirty="0"/>
+              <a:t>Austausch von Volumenmodellen ist nicht möglich</a:t>
+            </a:r>
+          </a:p>
+          <a:p>
+            <a:pPr lvl="0"/>
+            <a:r>
+              <a:rPr lang="de-DE" dirty="0"/>
+              <a:t>Es sollten Geometriedaten beschrieben werden</a:t>
+            </a:r>
+          </a:p>
+          <a:p>
+            <a:endParaRPr lang="de-DE" dirty="0"/>
+          </a:p>
+        </p:txBody>
+      </p:sp>
+    </p:spTree>
+    <p:extLst>
+      <p:ext uri="{BB962C8B-B14F-4D97-AF65-F5344CB8AC3E}">
+        <p14:creationId xmlns:p14="http://schemas.microsoft.com/office/powerpoint/2010/main" val="909531463"/>
+      </p:ext>
+    </p:extLst>
+  </p:cSld>
+  <p:clrMapOvr>
+    <a:masterClrMapping/>
+  </p:clrMapOvr>
+</p:sld>
+</file>
+
+<file path=ppt/slides/slide7.xml><?xml version="1.0" encoding="utf-8"?>
+<p:sld xmlns:a="http://schemas.openxmlformats.org/drawingml/2006/main" xmlns:r="http://schemas.openxmlformats.org/officeDocument/2006/relationships" xmlns:p="http://schemas.openxmlformats.org/presentationml/2006/main">
+  <p:cSld>
+    <p:spTree>
+      <p:nvGrpSpPr>
+        <p:cNvPr id="1" name=""/>
+        <p:cNvGrpSpPr/>
+        <p:nvPr/>
+      </p:nvGrpSpPr>
+      <p:grpSpPr>
+        <a:xfrm>
+          <a:off x="0" y="0"/>
+          <a:ext cx="0" cy="0"/>
+          <a:chOff x="0" y="0"/>
+          <a:chExt cx="0" cy="0"/>
+        </a:xfrm>
+      </p:grpSpPr>
+      <p:sp>
+        <p:nvSpPr>
+          <p:cNvPr id="2" name="Titel 1">
+            <a:extLst>
+              <a:ext uri="{FF2B5EF4-FFF2-40B4-BE49-F238E27FC236}">
+                <a16:creationId xmlns:a16="http://schemas.microsoft.com/office/drawing/2014/main" id="{F39EB84F-150C-4ADA-887B-76A9D00808C3}"/>
+              </a:ext>
+            </a:extLst>
+          </p:cNvPr>
+          <p:cNvSpPr>
+            <a:spLocks noGrp="1"/>
+          </p:cNvSpPr>
+          <p:nvPr>
+            <p:ph type="title"/>
+          </p:nvPr>
+        </p:nvSpPr>
+        <p:spPr/>
+        <p:txBody>
+          <a:bodyPr/>
+          <a:lstStyle/>
+          <a:p>
+            <a:r>
+              <a:rPr lang="de-DE" dirty="0"/>
+              <a:t>Phase 5 – Dateiformate</a:t>
+            </a:r>
+            <a:br>
+              <a:rPr lang="de-DE" dirty="0"/>
+            </a:br>
+            <a:r>
+              <a:rPr lang="de-DE" dirty="0"/>
+              <a:t>SAT</a:t>
+            </a:r>
+          </a:p>
+        </p:txBody>
+      </p:sp>
+      <p:sp>
+        <p:nvSpPr>
+          <p:cNvPr id="3" name="Inhaltsplatzhalter 2">
+            <a:extLst>
+              <a:ext uri="{FF2B5EF4-FFF2-40B4-BE49-F238E27FC236}">
+                <a16:creationId xmlns:a16="http://schemas.microsoft.com/office/drawing/2014/main" id="{FE3675E8-FFE4-4903-B7BA-3ACED9AAC14F}"/>
+              </a:ext>
+            </a:extLst>
+          </p:cNvPr>
+          <p:cNvSpPr>
+            <a:spLocks noGrp="1"/>
+          </p:cNvSpPr>
+          <p:nvPr>
+            <p:ph idx="1"/>
+          </p:nvPr>
+        </p:nvSpPr>
+        <p:spPr/>
+        <p:txBody>
+          <a:bodyPr/>
+          <a:lstStyle/>
+          <a:p>
+            <a:pPr lvl="0"/>
+            <a:r>
+              <a:rPr lang="de-DE" dirty="0"/>
+              <a:t>ACIS-Datei</a:t>
+            </a:r>
+          </a:p>
+          <a:p>
+            <a:pPr lvl="0"/>
+            <a:r>
+              <a:rPr lang="de-DE" dirty="0"/>
+              <a:t>ACIS ist in der objektorientierten Programmiersprache C++ geschrieben und zeichnet sich durch eine offene Systemarchitektur aus</a:t>
+            </a:r>
+          </a:p>
+          <a:p>
+            <a:pPr lvl="0"/>
+            <a:r>
+              <a:rPr lang="de-DE" dirty="0"/>
+              <a:t>Draht- und Flächenmodelle können verwaltet und manipuliert werden</a:t>
+            </a:r>
+          </a:p>
+          <a:p>
+            <a:pPr lvl="0"/>
+            <a:r>
+              <a:rPr lang="de-DE" dirty="0"/>
+              <a:t>Importierte Modelle mit ungenauer Geometriebeschreibung können korrekt weiterverarbeitet werden</a:t>
+            </a:r>
+          </a:p>
+          <a:p>
+            <a:endParaRPr lang="de-DE" dirty="0"/>
+          </a:p>
+        </p:txBody>
+      </p:sp>
+    </p:spTree>
+    <p:extLst>
+      <p:ext uri="{BB962C8B-B14F-4D97-AF65-F5344CB8AC3E}">
+        <p14:creationId xmlns:p14="http://schemas.microsoft.com/office/powerpoint/2010/main" val="37374506"/>
+      </p:ext>
+    </p:extLst>
+  </p:cSld>
+  <p:clrMapOvr>
+    <a:masterClrMapping/>
+  </p:clrMapOvr>
+</p:sld>
+</file>
+
+<file path=ppt/slides/slide8.xml><?xml version="1.0" encoding="utf-8"?>
+<p:sld xmlns:a="http://schemas.openxmlformats.org/drawingml/2006/main" xmlns:r="http://schemas.openxmlformats.org/officeDocument/2006/relationships" xmlns:p="http://schemas.openxmlformats.org/presentationml/2006/main">
+  <p:cSld>
+    <p:spTree>
+      <p:nvGrpSpPr>
+        <p:cNvPr id="1" name=""/>
+        <p:cNvGrpSpPr/>
+        <p:nvPr/>
+      </p:nvGrpSpPr>
+      <p:grpSpPr>
+        <a:xfrm>
+          <a:off x="0" y="0"/>
+          <a:ext cx="0" cy="0"/>
+          <a:chOff x="0" y="0"/>
+          <a:chExt cx="0" cy="0"/>
+        </a:xfrm>
+      </p:grpSpPr>
+      <p:sp>
+        <p:nvSpPr>
+          <p:cNvPr id="2" name="Titel 1">
+            <a:extLst>
+              <a:ext uri="{FF2B5EF4-FFF2-40B4-BE49-F238E27FC236}">
+                <a16:creationId xmlns:a16="http://schemas.microsoft.com/office/drawing/2014/main" id="{F39EB84F-150C-4ADA-887B-76A9D00808C3}"/>
+              </a:ext>
+            </a:extLst>
+          </p:cNvPr>
+          <p:cNvSpPr>
+            <a:spLocks noGrp="1"/>
+          </p:cNvSpPr>
+          <p:nvPr>
+            <p:ph type="title"/>
+          </p:nvPr>
+        </p:nvSpPr>
+        <p:spPr/>
+        <p:txBody>
+          <a:bodyPr/>
+          <a:lstStyle/>
+          <a:p>
+            <a:r>
+              <a:rPr lang="de-DE" dirty="0"/>
+              <a:t>Phase 5 – Dateiformate</a:t>
+            </a:r>
+            <a:br>
+              <a:rPr lang="de-DE" dirty="0"/>
+            </a:br>
+            <a:r>
+              <a:rPr lang="de-DE" dirty="0"/>
+              <a:t>DWG</a:t>
+            </a:r>
+          </a:p>
+        </p:txBody>
+      </p:sp>
+      <p:sp>
+        <p:nvSpPr>
+          <p:cNvPr id="3" name="Inhaltsplatzhalter 2">
+            <a:extLst>
+              <a:ext uri="{FF2B5EF4-FFF2-40B4-BE49-F238E27FC236}">
+                <a16:creationId xmlns:a16="http://schemas.microsoft.com/office/drawing/2014/main" id="{FE3675E8-FFE4-4903-B7BA-3ACED9AAC14F}"/>
+              </a:ext>
+            </a:extLst>
+          </p:cNvPr>
+          <p:cNvSpPr>
+            <a:spLocks noGrp="1"/>
+          </p:cNvSpPr>
+          <p:nvPr>
+            <p:ph idx="1"/>
+          </p:nvPr>
+        </p:nvSpPr>
+        <p:spPr/>
+        <p:txBody>
+          <a:bodyPr/>
+          <a:lstStyle/>
+          <a:p>
+            <a:pPr lvl="0"/>
+            <a:r>
+              <a:rPr lang="de-DE" dirty="0"/>
+              <a:t>Das DWG-Format ist ein proprietäres binäres Dateiformat für 2D- und 3D-Konstruktionsdaten und Metadaten</a:t>
+            </a:r>
+          </a:p>
+          <a:p>
+            <a:pPr lvl="0"/>
+            <a:r>
+              <a:rPr lang="de-DE" dirty="0"/>
+              <a:t>Natives Format einiger CAD-Programme wie AutoCAD, </a:t>
+            </a:r>
+            <a:r>
+              <a:rPr lang="de-DE" dirty="0" err="1"/>
+              <a:t>DraftSight</a:t>
+            </a:r>
+            <a:r>
+              <a:rPr lang="de-DE" dirty="0"/>
+              <a:t>, </a:t>
+            </a:r>
+            <a:r>
+              <a:rPr lang="de-DE" dirty="0" err="1"/>
+              <a:t>BricsCad</a:t>
+            </a:r>
+            <a:r>
+              <a:rPr lang="de-DE" dirty="0"/>
+              <a:t> und vielen weiteren</a:t>
+            </a:r>
+          </a:p>
+        </p:txBody>
+      </p:sp>
+    </p:spTree>
+    <p:extLst>
+      <p:ext uri="{BB962C8B-B14F-4D97-AF65-F5344CB8AC3E}">
+        <p14:creationId xmlns:p14="http://schemas.microsoft.com/office/powerpoint/2010/main" val="4290872445"/>
+      </p:ext>
+    </p:extLst>
+  </p:cSld>
+  <p:clrMapOvr>
+    <a:masterClrMapping/>
+  </p:clrMapOvr>
+</p:sld>
+</file>
+
+<file path=ppt/slides/slide9.xml><?xml version="1.0" encoding="utf-8"?>
+<p:sld xmlns:a="http://schemas.openxmlformats.org/drawingml/2006/main" xmlns:r="http://schemas.openxmlformats.org/officeDocument/2006/relationships" xmlns:p="http://schemas.openxmlformats.org/presentationml/2006/main">
+  <p:cSld>
+    <p:spTree>
+      <p:nvGrpSpPr>
+        <p:cNvPr id="1" name=""/>
+        <p:cNvGrpSpPr/>
+        <p:nvPr/>
+      </p:nvGrpSpPr>
+      <p:grpSpPr>
+        <a:xfrm>
+          <a:off x="0" y="0"/>
+          <a:ext cx="0" cy="0"/>
+          <a:chOff x="0" y="0"/>
+          <a:chExt cx="0" cy="0"/>
+        </a:xfrm>
+      </p:grpSpPr>
+      <p:sp>
+        <p:nvSpPr>
+          <p:cNvPr id="2" name="Titel 1">
+            <a:extLst>
+              <a:ext uri="{FF2B5EF4-FFF2-40B4-BE49-F238E27FC236}">
+                <a16:creationId xmlns:a16="http://schemas.microsoft.com/office/drawing/2014/main" id="{F39EB84F-150C-4ADA-887B-76A9D00808C3}"/>
+              </a:ext>
+            </a:extLst>
+          </p:cNvPr>
+          <p:cNvSpPr>
+            <a:spLocks noGrp="1"/>
+          </p:cNvSpPr>
+          <p:nvPr>
+            <p:ph type="title"/>
+          </p:nvPr>
+        </p:nvSpPr>
+        <p:spPr/>
+        <p:txBody>
+          <a:bodyPr/>
+          <a:lstStyle/>
+          <a:p>
+            <a:r>
+              <a:rPr lang="de-DE" dirty="0"/>
+              <a:t>Phase 5 – Dateiformate</a:t>
+            </a:r>
+            <a:br>
+              <a:rPr lang="de-DE" dirty="0"/>
+            </a:br>
+            <a:r>
+              <a:rPr lang="de-DE" dirty="0"/>
+              <a:t>SKP</a:t>
+            </a:r>
+          </a:p>
+        </p:txBody>
+      </p:sp>
+      <p:sp>
+        <p:nvSpPr>
+          <p:cNvPr id="3" name="Inhaltsplatzhalter 2">
+            <a:extLst>
+              <a:ext uri="{FF2B5EF4-FFF2-40B4-BE49-F238E27FC236}">
+                <a16:creationId xmlns:a16="http://schemas.microsoft.com/office/drawing/2014/main" id="{FE3675E8-FFE4-4903-B7BA-3ACED9AAC14F}"/>
+              </a:ext>
+            </a:extLst>
+          </p:cNvPr>
+          <p:cNvSpPr>
+            <a:spLocks noGrp="1"/>
+          </p:cNvSpPr>
+          <p:nvPr>
+            <p:ph idx="1"/>
+          </p:nvPr>
+        </p:nvSpPr>
+        <p:spPr/>
+        <p:txBody>
+          <a:bodyPr/>
+          <a:lstStyle/>
+          <a:p>
+            <a:pPr lvl="0"/>
+            <a:r>
+              <a:rPr lang="de-DE" dirty="0"/>
+              <a:t>Dateiformat von Trimble </a:t>
+            </a:r>
+            <a:r>
+              <a:rPr lang="de-DE" dirty="0" err="1"/>
+              <a:t>Sketchup</a:t>
+            </a:r>
+            <a:endParaRPr lang="de-DE" dirty="0"/>
+          </a:p>
+          <a:p>
+            <a:pPr lvl="0"/>
+            <a:r>
+              <a:rPr lang="de-DE" dirty="0"/>
+              <a:t>Vormals eine Entwicklung von Google </a:t>
+            </a:r>
+            <a:r>
+              <a:rPr lang="de-DE" dirty="0" err="1"/>
+              <a:t>Sketchup</a:t>
+            </a:r>
+            <a:endParaRPr lang="de-DE" dirty="0"/>
+          </a:p>
+          <a:p>
+            <a:pPr lvl="0"/>
+            <a:r>
+              <a:rPr lang="de-DE" dirty="0"/>
+              <a:t>Beinhaltet 2D/3D-Geometrieinformationen</a:t>
+            </a:r>
+          </a:p>
+        </p:txBody>
+      </p:sp>
+    </p:spTree>
+    <p:extLst>
+      <p:ext uri="{BB962C8B-B14F-4D97-AF65-F5344CB8AC3E}">
+        <p14:creationId xmlns:p14="http://schemas.microsoft.com/office/powerpoint/2010/main" val="1220438400"/>
       </p:ext>
     </p:extLst>
   </p:cSld>
